--- a/Documentation/Presentation_flucq1.pptx
+++ b/Documentation/Presentation_flucq1.pptx
@@ -5,19 +5,15 @@
     <p:sldMasterId id="2147483669" r:id="rId4"/>
   </p:sldMasterIdLst>
   <p:notesMasterIdLst>
-    <p:notesMasterId r:id="rId15"/>
+    <p:notesMasterId r:id="rId11"/>
   </p:notesMasterIdLst>
   <p:sldIdLst>
     <p:sldId id="256" r:id="rId5"/>
-    <p:sldId id="257" r:id="rId6"/>
-    <p:sldId id="259" r:id="rId7"/>
-    <p:sldId id="258" r:id="rId8"/>
-    <p:sldId id="260" r:id="rId9"/>
-    <p:sldId id="261" r:id="rId10"/>
-    <p:sldId id="262" r:id="rId11"/>
-    <p:sldId id="263" r:id="rId12"/>
-    <p:sldId id="264" r:id="rId13"/>
-    <p:sldId id="265" r:id="rId14"/>
+    <p:sldId id="260" r:id="rId6"/>
+    <p:sldId id="261" r:id="rId7"/>
+    <p:sldId id="262" r:id="rId8"/>
+    <p:sldId id="263" r:id="rId9"/>
+    <p:sldId id="264" r:id="rId10"/>
   </p:sldIdLst>
   <p:sldSz cx="12207875" cy="6858000"/>
   <p:notesSz cx="6797675" cy="9872663"/>
@@ -256,7 +252,7 @@
               <a:pPr>
                 <a:defRPr/>
               </a:pPr>
-              <a:t>20.05.2019</a:t>
+              <a:t>10.06.2019</a:t>
             </a:fld>
             <a:endParaRPr lang="de-CH"/>
           </a:p>
@@ -564,6 +560,342 @@
 </p:notesMaster>
 </file>
 
+<file path=ppt/notesSlides/notesSlide1.xml><?xml version="1.0" encoding="utf-8"?>
+<p:notes xmlns:a="http://schemas.openxmlformats.org/drawingml/2006/main" xmlns:r="http://schemas.openxmlformats.org/officeDocument/2006/relationships" xmlns:p="http://schemas.openxmlformats.org/presentationml/2006/main">
+  <p:cSld>
+    <p:spTree>
+      <p:nvGrpSpPr>
+        <p:cNvPr id="1" name=""/>
+        <p:cNvGrpSpPr/>
+        <p:nvPr/>
+      </p:nvGrpSpPr>
+      <p:grpSpPr>
+        <a:xfrm>
+          <a:off x="0" y="0"/>
+          <a:ext cx="0" cy="0"/>
+          <a:chOff x="0" y="0"/>
+          <a:chExt cx="0" cy="0"/>
+        </a:xfrm>
+      </p:grpSpPr>
+      <p:sp>
+        <p:nvSpPr>
+          <p:cNvPr id="2" name="Espace réservé de l'image des diapositives 1"/>
+          <p:cNvSpPr>
+            <a:spLocks noGrp="1" noRot="1" noChangeAspect="1"/>
+          </p:cNvSpPr>
+          <p:nvPr>
+            <p:ph type="sldImg"/>
+          </p:nvPr>
+        </p:nvSpPr>
+        <p:spPr/>
+      </p:sp>
+      <p:sp>
+        <p:nvSpPr>
+          <p:cNvPr id="3" name="Espace réservé des notes 2"/>
+          <p:cNvSpPr>
+            <a:spLocks noGrp="1"/>
+          </p:cNvSpPr>
+          <p:nvPr>
+            <p:ph type="body" idx="1"/>
+          </p:nvPr>
+        </p:nvSpPr>
+        <p:spPr/>
+        <p:txBody>
+          <a:bodyPr/>
+          <a:lstStyle/>
+          <a:p>
+            <a:r>
+              <a:rPr lang="fr-CH" dirty="0"/>
+              <a:t>Little story about smartphone </a:t>
+            </a:r>
+            <a:r>
+              <a:rPr lang="fr-CH" dirty="0" err="1"/>
+              <a:t>games</a:t>
+            </a:r>
+            <a:endParaRPr lang="fr-CH" dirty="0"/>
+          </a:p>
+        </p:txBody>
+      </p:sp>
+      <p:sp>
+        <p:nvSpPr>
+          <p:cNvPr id="4" name="Espace réservé du numéro de diapositive 3"/>
+          <p:cNvSpPr>
+            <a:spLocks noGrp="1"/>
+          </p:cNvSpPr>
+          <p:nvPr>
+            <p:ph type="sldNum" sz="quarter" idx="5"/>
+          </p:nvPr>
+        </p:nvSpPr>
+        <p:spPr/>
+        <p:txBody>
+          <a:bodyPr/>
+          <a:lstStyle/>
+          <a:p>
+            <a:pPr>
+              <a:defRPr/>
+            </a:pPr>
+            <a:fld id="{EE3A4D74-8AB3-4782-8193-8B0B8D7F57EA}" type="slidenum">
+              <a:rPr lang="de-CH" smtClean="0"/>
+              <a:pPr>
+                <a:defRPr/>
+              </a:pPr>
+              <a:t>1</a:t>
+            </a:fld>
+            <a:endParaRPr lang="de-CH"/>
+          </a:p>
+        </p:txBody>
+      </p:sp>
+    </p:spTree>
+    <p:extLst>
+      <p:ext uri="{BB962C8B-B14F-4D97-AF65-F5344CB8AC3E}">
+        <p14:creationId xmlns:p14="http://schemas.microsoft.com/office/powerpoint/2010/main" val="3787480686"/>
+      </p:ext>
+    </p:extLst>
+  </p:cSld>
+  <p:clrMapOvr>
+    <a:masterClrMapping/>
+  </p:clrMapOvr>
+</p:notes>
+</file>
+
+<file path=ppt/notesSlides/notesSlide2.xml><?xml version="1.0" encoding="utf-8"?>
+<p:notes xmlns:a="http://schemas.openxmlformats.org/drawingml/2006/main" xmlns:r="http://schemas.openxmlformats.org/officeDocument/2006/relationships" xmlns:p="http://schemas.openxmlformats.org/presentationml/2006/main">
+  <p:cSld>
+    <p:spTree>
+      <p:nvGrpSpPr>
+        <p:cNvPr id="1" name=""/>
+        <p:cNvGrpSpPr/>
+        <p:nvPr/>
+      </p:nvGrpSpPr>
+      <p:grpSpPr>
+        <a:xfrm>
+          <a:off x="0" y="0"/>
+          <a:ext cx="0" cy="0"/>
+          <a:chOff x="0" y="0"/>
+          <a:chExt cx="0" cy="0"/>
+        </a:xfrm>
+      </p:grpSpPr>
+      <p:sp>
+        <p:nvSpPr>
+          <p:cNvPr id="2" name="Espace réservé de l'image des diapositives 1"/>
+          <p:cNvSpPr>
+            <a:spLocks noGrp="1" noRot="1" noChangeAspect="1"/>
+          </p:cNvSpPr>
+          <p:nvPr>
+            <p:ph type="sldImg"/>
+          </p:nvPr>
+        </p:nvSpPr>
+        <p:spPr/>
+      </p:sp>
+      <p:sp>
+        <p:nvSpPr>
+          <p:cNvPr id="3" name="Espace réservé des notes 2"/>
+          <p:cNvSpPr>
+            <a:spLocks noGrp="1"/>
+          </p:cNvSpPr>
+          <p:nvPr>
+            <p:ph type="body" idx="1"/>
+          </p:nvPr>
+        </p:nvSpPr>
+        <p:spPr/>
+        <p:txBody>
+          <a:bodyPr/>
+          <a:lstStyle/>
+          <a:p>
+            <a:r>
+              <a:rPr lang="fr-CH" dirty="0"/>
+              <a:t>The main goal </a:t>
+            </a:r>
+            <a:r>
+              <a:rPr lang="fr-CH" dirty="0" err="1"/>
+              <a:t>was</a:t>
+            </a:r>
+            <a:r>
+              <a:rPr lang="fr-CH" dirty="0"/>
+              <a:t> to </a:t>
+            </a:r>
+            <a:r>
+              <a:rPr lang="fr-CH" dirty="0" err="1"/>
+              <a:t>create</a:t>
+            </a:r>
+            <a:r>
+              <a:rPr lang="fr-CH" dirty="0"/>
+              <a:t> a </a:t>
+            </a:r>
+            <a:r>
+              <a:rPr lang="fr-CH" dirty="0" err="1"/>
+              <a:t>generic</a:t>
+            </a:r>
+            <a:r>
+              <a:rPr lang="fr-CH" dirty="0"/>
+              <a:t> platform </a:t>
+            </a:r>
+            <a:r>
+              <a:rPr lang="fr-CH" dirty="0" err="1"/>
+              <a:t>which</a:t>
+            </a:r>
+            <a:r>
+              <a:rPr lang="fr-CH" dirty="0"/>
+              <a:t> w</a:t>
+            </a:r>
+          </a:p>
+        </p:txBody>
+      </p:sp>
+      <p:sp>
+        <p:nvSpPr>
+          <p:cNvPr id="4" name="Espace réservé du numéro de diapositive 3"/>
+          <p:cNvSpPr>
+            <a:spLocks noGrp="1"/>
+          </p:cNvSpPr>
+          <p:nvPr>
+            <p:ph type="sldNum" sz="quarter" idx="5"/>
+          </p:nvPr>
+        </p:nvSpPr>
+        <p:spPr/>
+        <p:txBody>
+          <a:bodyPr/>
+          <a:lstStyle/>
+          <a:p>
+            <a:pPr>
+              <a:defRPr/>
+            </a:pPr>
+            <a:fld id="{EE3A4D74-8AB3-4782-8193-8B0B8D7F57EA}" type="slidenum">
+              <a:rPr lang="de-CH" smtClean="0"/>
+              <a:pPr>
+                <a:defRPr/>
+              </a:pPr>
+              <a:t>3</a:t>
+            </a:fld>
+            <a:endParaRPr lang="de-CH"/>
+          </a:p>
+        </p:txBody>
+      </p:sp>
+    </p:spTree>
+    <p:extLst>
+      <p:ext uri="{BB962C8B-B14F-4D97-AF65-F5344CB8AC3E}">
+        <p14:creationId xmlns:p14="http://schemas.microsoft.com/office/powerpoint/2010/main" val="2578300468"/>
+      </p:ext>
+    </p:extLst>
+  </p:cSld>
+  <p:clrMapOvr>
+    <a:masterClrMapping/>
+  </p:clrMapOvr>
+</p:notes>
+</file>
+
+<file path=ppt/notesSlides/notesSlide3.xml><?xml version="1.0" encoding="utf-8"?>
+<p:notes xmlns:a="http://schemas.openxmlformats.org/drawingml/2006/main" xmlns:r="http://schemas.openxmlformats.org/officeDocument/2006/relationships" xmlns:p="http://schemas.openxmlformats.org/presentationml/2006/main">
+  <p:cSld>
+    <p:spTree>
+      <p:nvGrpSpPr>
+        <p:cNvPr id="1" name=""/>
+        <p:cNvGrpSpPr/>
+        <p:nvPr/>
+      </p:nvGrpSpPr>
+      <p:grpSpPr>
+        <a:xfrm>
+          <a:off x="0" y="0"/>
+          <a:ext cx="0" cy="0"/>
+          <a:chOff x="0" y="0"/>
+          <a:chExt cx="0" cy="0"/>
+        </a:xfrm>
+      </p:grpSpPr>
+      <p:sp>
+        <p:nvSpPr>
+          <p:cNvPr id="2" name="Espace réservé de l'image des diapositives 1"/>
+          <p:cNvSpPr>
+            <a:spLocks noGrp="1" noRot="1" noChangeAspect="1"/>
+          </p:cNvSpPr>
+          <p:nvPr>
+            <p:ph type="sldImg"/>
+          </p:nvPr>
+        </p:nvSpPr>
+        <p:spPr/>
+      </p:sp>
+      <p:sp>
+        <p:nvSpPr>
+          <p:cNvPr id="3" name="Espace réservé des notes 2"/>
+          <p:cNvSpPr>
+            <a:spLocks noGrp="1"/>
+          </p:cNvSpPr>
+          <p:nvPr>
+            <p:ph type="body" idx="1"/>
+          </p:nvPr>
+        </p:nvSpPr>
+        <p:spPr/>
+        <p:txBody>
+          <a:bodyPr/>
+          <a:lstStyle/>
+          <a:p>
+            <a:r>
+              <a:rPr lang="fr-CH" dirty="0" err="1"/>
+              <a:t>Thank</a:t>
+            </a:r>
+            <a:r>
+              <a:rPr lang="fr-CH" dirty="0"/>
+              <a:t> </a:t>
+            </a:r>
+            <a:r>
+              <a:rPr lang="fr-CH" dirty="0" err="1"/>
+              <a:t>you</a:t>
+            </a:r>
+            <a:r>
+              <a:rPr lang="fr-CH" dirty="0"/>
+              <a:t> for </a:t>
+            </a:r>
+            <a:r>
+              <a:rPr lang="fr-CH" dirty="0" err="1"/>
+              <a:t>your</a:t>
+            </a:r>
+            <a:r>
+              <a:rPr lang="fr-CH" dirty="0"/>
+              <a:t> time and attention</a:t>
+            </a:r>
+          </a:p>
+        </p:txBody>
+      </p:sp>
+      <p:sp>
+        <p:nvSpPr>
+          <p:cNvPr id="4" name="Espace réservé du numéro de diapositive 3"/>
+          <p:cNvSpPr>
+            <a:spLocks noGrp="1"/>
+          </p:cNvSpPr>
+          <p:nvPr>
+            <p:ph type="sldNum" sz="quarter" idx="5"/>
+          </p:nvPr>
+        </p:nvSpPr>
+        <p:spPr/>
+        <p:txBody>
+          <a:bodyPr/>
+          <a:lstStyle/>
+          <a:p>
+            <a:pPr>
+              <a:defRPr/>
+            </a:pPr>
+            <a:fld id="{EE3A4D74-8AB3-4782-8193-8B0B8D7F57EA}" type="slidenum">
+              <a:rPr lang="de-CH" smtClean="0"/>
+              <a:pPr>
+                <a:defRPr/>
+              </a:pPr>
+              <a:t>6</a:t>
+            </a:fld>
+            <a:endParaRPr lang="de-CH"/>
+          </a:p>
+        </p:txBody>
+      </p:sp>
+    </p:spTree>
+    <p:extLst>
+      <p:ext uri="{BB962C8B-B14F-4D97-AF65-F5344CB8AC3E}">
+        <p14:creationId xmlns:p14="http://schemas.microsoft.com/office/powerpoint/2010/main" val="2771139288"/>
+      </p:ext>
+    </p:extLst>
+  </p:cSld>
+  <p:clrMapOvr>
+    <a:masterClrMapping/>
+  </p:clrMapOvr>
+</p:notes>
+</file>
+
 <file path=ppt/slideLayouts/slideLayout1.xml><?xml version="1.0" encoding="utf-8"?>
 <p:sldLayout xmlns:a="http://schemas.openxmlformats.org/drawingml/2006/main" xmlns:r="http://schemas.openxmlformats.org/officeDocument/2006/relationships" xmlns:p="http://schemas.openxmlformats.org/presentationml/2006/main" preserve="1" userDrawn="1">
   <p:cSld name="Titelfolie mit Bild">
@@ -1187,7 +1519,7 @@
               <a:pPr>
                 <a:defRPr/>
               </a:pPr>
-              <a:t>20.05.2019</a:t>
+              <a:t>10.06.2019</a:t>
             </a:fld>
             <a:r>
               <a:rPr lang="de-DE" sz="1000"/>
@@ -2625,7 +2957,7 @@
               <a:pPr>
                 <a:defRPr/>
               </a:pPr>
-              <a:t>20.05.2019</a:t>
+              <a:t>10.06.2019</a:t>
             </a:fld>
             <a:r>
               <a:rPr lang="de-DE" sz="1000"/>
@@ -6602,43 +6934,6 @@
       </p:grpSpPr>
       <p:sp>
         <p:nvSpPr>
-          <p:cNvPr id="6146" name="Bildplatzhalter 1"/>
-          <p:cNvSpPr>
-            <a:spLocks noGrp="1"/>
-          </p:cNvSpPr>
-          <p:nvPr>
-            <p:ph type="pic" sz="quarter" idx="11"/>
-          </p:nvPr>
-        </p:nvSpPr>
-        <p:spPr bwMode="auto">
-          <a:xfrm>
-            <a:off x="0" y="1692275"/>
-            <a:ext cx="7632700" cy="2808288"/>
-          </a:xfrm>
-          <a:noFill/>
-          <a:extLst>
-            <a:ext uri="{909E8E84-426E-40DD-AFC4-6F175D3DCCD1}">
-              <a14:hiddenFill xmlns:a14="http://schemas.microsoft.com/office/drawing/2010/main">
-                <a:solidFill>
-                  <a:srgbClr val="FFFFFF"/>
-                </a:solidFill>
-              </a14:hiddenFill>
-            </a:ext>
-            <a:ext uri="{91240B29-F687-4F45-9708-019B960494DF}">
-              <a14:hiddenLine xmlns:a14="http://schemas.microsoft.com/office/drawing/2010/main" w="9525">
-                <a:solidFill>
-                  <a:srgbClr val="000000"/>
-                </a:solidFill>
-                <a:miter lim="800000"/>
-                <a:headEnd/>
-                <a:tailEnd/>
-              </a14:hiddenLine>
-            </a:ext>
-          </a:extLst>
-        </p:spPr>
-      </p:sp>
-      <p:sp>
-        <p:nvSpPr>
           <p:cNvPr id="6147" name="Titel 2"/>
           <p:cNvSpPr>
             <a:spLocks noGrp="1"/>
@@ -6682,10 +6977,20 @@
           <a:lstStyle/>
           <a:p>
             <a:pPr eaLnBrk="1" hangingPunct="1"/>
-            <a:endParaRPr lang="de-DE">
-              <a:latin typeface="Lucida Sans" pitchFamily="34" charset="0"/>
-              <a:cs typeface="Lucida Sans Unicode" pitchFamily="34" charset="0"/>
-            </a:endParaRPr>
+            <a:r>
+              <a:rPr lang="de-DE" dirty="0" err="1">
+                <a:latin typeface="Lucida Sans" pitchFamily="34" charset="0"/>
+                <a:cs typeface="Lucida Sans Unicode" pitchFamily="34" charset="0"/>
+              </a:rPr>
+              <a:t>Generic</a:t>
+            </a:r>
+            <a:r>
+              <a:rPr lang="de-DE" dirty="0">
+                <a:latin typeface="Lucida Sans" pitchFamily="34" charset="0"/>
+                <a:cs typeface="Lucida Sans Unicode" pitchFamily="34" charset="0"/>
+              </a:rPr>
+              <a:t> Smartphone Game Controller</a:t>
+            </a:r>
           </a:p>
         </p:txBody>
       </p:sp>
@@ -6734,448 +7039,43 @@
           <a:lstStyle/>
           <a:p>
             <a:pPr eaLnBrk="1" hangingPunct="1"/>
-            <a:endParaRPr lang="de-DE">
-              <a:latin typeface="Lucida Sans" pitchFamily="34" charset="0"/>
-              <a:cs typeface="Lucida Sans Unicode" pitchFamily="34" charset="0"/>
-            </a:endParaRPr>
-          </a:p>
-        </p:txBody>
-      </p:sp>
-      <p:sp>
-        <p:nvSpPr>
-          <p:cNvPr id="6149" name="Textplatzhalter 4"/>
+            <a:r>
+              <a:rPr lang="de-DE" dirty="0">
+                <a:latin typeface="Lucida Sans" pitchFamily="34" charset="0"/>
+                <a:cs typeface="Lucida Sans Unicode" pitchFamily="34" charset="0"/>
+              </a:rPr>
+              <a:t>Bachelor Thesis</a:t>
+            </a:r>
+          </a:p>
+          <a:p>
+            <a:pPr eaLnBrk="1" hangingPunct="1"/>
+            <a:r>
+              <a:rPr lang="de-DE" dirty="0">
+                <a:latin typeface="Lucida Sans" pitchFamily="34" charset="0"/>
+                <a:cs typeface="Lucida Sans Unicode" pitchFamily="34" charset="0"/>
+              </a:rPr>
+              <a:t>Flückiger Quentin</a:t>
+            </a:r>
+          </a:p>
+        </p:txBody>
+      </p:sp>
+      <p:sp>
+        <p:nvSpPr>
+          <p:cNvPr id="11" name="Espace réservé pour une image  10">
+            <a:extLst>
+              <a:ext uri="{FF2B5EF4-FFF2-40B4-BE49-F238E27FC236}">
+                <a16:creationId xmlns:a16="http://schemas.microsoft.com/office/drawing/2014/main" id="{6B58A703-186A-42F6-A9C2-8F2646E98A58}"/>
+              </a:ext>
+            </a:extLst>
+          </p:cNvPr>
           <p:cNvSpPr>
             <a:spLocks noGrp="1"/>
           </p:cNvSpPr>
           <p:nvPr>
-            <p:ph type="body" sz="quarter" idx="13"/>
+            <p:ph type="pic" sz="quarter" idx="11"/>
           </p:nvPr>
         </p:nvSpPr>
-        <p:spPr bwMode="auto">
-          <a:xfrm>
-            <a:off x="457200" y="6299200"/>
-            <a:ext cx="9066213" cy="258763"/>
-          </a:xfrm>
-          <a:noFill/>
-          <a:extLst>
-            <a:ext uri="{909E8E84-426E-40DD-AFC4-6F175D3DCCD1}">
-              <a14:hiddenFill xmlns:a14="http://schemas.microsoft.com/office/drawing/2010/main">
-                <a:solidFill>
-                  <a:srgbClr val="FFFFFF"/>
-                </a:solidFill>
-              </a14:hiddenFill>
-            </a:ext>
-            <a:ext uri="{91240B29-F687-4F45-9708-019B960494DF}">
-              <a14:hiddenLine xmlns:a14="http://schemas.microsoft.com/office/drawing/2010/main" w="9525">
-                <a:solidFill>
-                  <a:srgbClr val="000000"/>
-                </a:solidFill>
-                <a:miter lim="800000"/>
-                <a:headEnd/>
-                <a:tailEnd/>
-              </a14:hiddenLine>
-            </a:ext>
-          </a:extLst>
-        </p:spPr>
-        <p:txBody>
-          <a:bodyPr wrap="square" tIns="45720" bIns="45720" numCol="1" anchor="t" anchorCtr="0" compatLnSpc="1">
-            <a:prstTxWarp prst="textNoShape">
-              <a:avLst/>
-            </a:prstTxWarp>
-          </a:bodyPr>
-          <a:lstStyle/>
-          <a:p>
-            <a:pPr eaLnBrk="1" hangingPunct="1">
-              <a:buFont typeface="Lucida Grande" charset="0"/>
-              <a:buChar char="▶"/>
-            </a:pPr>
-            <a:endParaRPr lang="de-DE">
-              <a:latin typeface="Lucida Sans" pitchFamily="34" charset="0"/>
-            </a:endParaRPr>
-          </a:p>
-        </p:txBody>
-      </p:sp>
-    </p:spTree>
-  </p:cSld>
-  <p:clrMapOvr>
-    <a:masterClrMapping/>
-  </p:clrMapOvr>
-</p:sld>
-</file>
-
-<file path=ppt/slides/slide10.xml><?xml version="1.0" encoding="utf-8"?>
-<p:sld xmlns:a="http://schemas.openxmlformats.org/drawingml/2006/main" xmlns:r="http://schemas.openxmlformats.org/officeDocument/2006/relationships" xmlns:p="http://schemas.openxmlformats.org/presentationml/2006/main">
-  <p:cSld>
-    <p:spTree>
-      <p:nvGrpSpPr>
-        <p:cNvPr id="1" name=""/>
-        <p:cNvGrpSpPr/>
-        <p:nvPr/>
-      </p:nvGrpSpPr>
-      <p:grpSpPr>
-        <a:xfrm>
-          <a:off x="0" y="0"/>
-          <a:ext cx="0" cy="0"/>
-          <a:chOff x="0" y="0"/>
-          <a:chExt cx="0" cy="0"/>
-        </a:xfrm>
-      </p:grpSpPr>
-      <p:sp>
-        <p:nvSpPr>
-          <p:cNvPr id="15362" name="Titel 1"/>
-          <p:cNvSpPr>
-            <a:spLocks noGrp="1"/>
-          </p:cNvSpPr>
-          <p:nvPr>
-            <p:ph type="ctrTitle"/>
-          </p:nvPr>
-        </p:nvSpPr>
-        <p:spPr bwMode="auto">
-          <a:xfrm>
-            <a:off x="457200" y="360363"/>
-            <a:ext cx="11249025" cy="539750"/>
-          </a:xfrm>
-          <a:noFill/>
-          <a:extLst>
-            <a:ext uri="{909E8E84-426E-40DD-AFC4-6F175D3DCCD1}">
-              <a14:hiddenFill xmlns:a14="http://schemas.microsoft.com/office/drawing/2010/main">
-                <a:solidFill>
-                  <a:srgbClr val="FFFFFF"/>
-                </a:solidFill>
-              </a14:hiddenFill>
-            </a:ext>
-            <a:ext uri="{91240B29-F687-4F45-9708-019B960494DF}">
-              <a14:hiddenLine xmlns:a14="http://schemas.microsoft.com/office/drawing/2010/main" w="9525">
-                <a:solidFill>
-                  <a:srgbClr val="000000"/>
-                </a:solidFill>
-                <a:miter lim="800000"/>
-                <a:headEnd/>
-                <a:tailEnd/>
-              </a14:hiddenLine>
-            </a:ext>
-          </a:extLst>
-        </p:spPr>
-        <p:txBody>
-          <a:bodyPr vert="horz" wrap="square" tIns="45720" bIns="45720" numCol="1" anchor="t" anchorCtr="0" compatLnSpc="1">
-            <a:prstTxWarp prst="textNoShape">
-              <a:avLst/>
-            </a:prstTxWarp>
-          </a:bodyPr>
-          <a:lstStyle/>
-          <a:p>
-            <a:pPr eaLnBrk="1" hangingPunct="1"/>
-            <a:endParaRPr lang="de-CH">
-              <a:latin typeface="Lucida Sans" pitchFamily="34" charset="0"/>
-            </a:endParaRPr>
-          </a:p>
-        </p:txBody>
-      </p:sp>
-      <p:sp>
-        <p:nvSpPr>
-          <p:cNvPr id="15363" name="Inhaltsplatzhalter 2"/>
-          <p:cNvSpPr>
-            <a:spLocks noGrp="1"/>
-          </p:cNvSpPr>
-          <p:nvPr>
-            <p:ph sz="half" idx="13"/>
-          </p:nvPr>
-        </p:nvSpPr>
-        <p:spPr bwMode="auto">
-          <a:xfrm>
-            <a:off x="457200" y="2155825"/>
-            <a:ext cx="3557588" cy="3959225"/>
-          </a:xfrm>
-          <a:noFill/>
-          <a:extLst>
-            <a:ext uri="{909E8E84-426E-40DD-AFC4-6F175D3DCCD1}">
-              <a14:hiddenFill xmlns:a14="http://schemas.microsoft.com/office/drawing/2010/main">
-                <a:solidFill>
-                  <a:srgbClr val="FFFFFF"/>
-                </a:solidFill>
-              </a14:hiddenFill>
-            </a:ext>
-            <a:ext uri="{91240B29-F687-4F45-9708-019B960494DF}">
-              <a14:hiddenLine xmlns:a14="http://schemas.microsoft.com/office/drawing/2010/main" w="9525">
-                <a:solidFill>
-                  <a:srgbClr val="000000"/>
-                </a:solidFill>
-                <a:miter lim="800000"/>
-                <a:headEnd/>
-                <a:tailEnd/>
-              </a14:hiddenLine>
-            </a:ext>
-          </a:extLst>
-        </p:spPr>
-        <p:txBody>
-          <a:bodyPr vert="horz" wrap="square" tIns="45720" bIns="45720" numCol="1" anchor="t" anchorCtr="0" compatLnSpc="1">
-            <a:prstTxWarp prst="textNoShape">
-              <a:avLst/>
-            </a:prstTxWarp>
-          </a:bodyPr>
-          <a:lstStyle/>
-          <a:p>
-            <a:pPr eaLnBrk="1" hangingPunct="1"/>
-            <a:endParaRPr lang="de-CH" dirty="0">
-              <a:latin typeface="Lucida Sans" pitchFamily="34" charset="0"/>
-            </a:endParaRPr>
-          </a:p>
-        </p:txBody>
-      </p:sp>
-      <p:sp>
-        <p:nvSpPr>
-          <p:cNvPr id="15364" name="Inhaltsplatzhalter 3"/>
-          <p:cNvSpPr>
-            <a:spLocks noGrp="1"/>
-          </p:cNvSpPr>
-          <p:nvPr>
-            <p:ph sz="half" idx="15"/>
-          </p:nvPr>
-        </p:nvSpPr>
-        <p:spPr bwMode="auto">
-          <a:xfrm>
-            <a:off x="4298950" y="2155825"/>
-            <a:ext cx="3556000" cy="3959225"/>
-          </a:xfrm>
-          <a:noFill/>
-          <a:extLst>
-            <a:ext uri="{909E8E84-426E-40DD-AFC4-6F175D3DCCD1}">
-              <a14:hiddenFill xmlns:a14="http://schemas.microsoft.com/office/drawing/2010/main">
-                <a:solidFill>
-                  <a:srgbClr val="FFFFFF"/>
-                </a:solidFill>
-              </a14:hiddenFill>
-            </a:ext>
-            <a:ext uri="{91240B29-F687-4F45-9708-019B960494DF}">
-              <a14:hiddenLine xmlns:a14="http://schemas.microsoft.com/office/drawing/2010/main" w="9525">
-                <a:solidFill>
-                  <a:srgbClr val="000000"/>
-                </a:solidFill>
-                <a:miter lim="800000"/>
-                <a:headEnd/>
-                <a:tailEnd/>
-              </a14:hiddenLine>
-            </a:ext>
-          </a:extLst>
-        </p:spPr>
-        <p:txBody>
-          <a:bodyPr vert="horz" wrap="square" tIns="45720" bIns="45720" numCol="1" anchor="t" anchorCtr="0" compatLnSpc="1">
-            <a:prstTxWarp prst="textNoShape">
-              <a:avLst/>
-            </a:prstTxWarp>
-          </a:bodyPr>
-          <a:lstStyle/>
-          <a:p>
-            <a:pPr eaLnBrk="1" hangingPunct="1"/>
-            <a:endParaRPr lang="de-CH" dirty="0">
-              <a:latin typeface="Lucida Sans" pitchFamily="34" charset="0"/>
-            </a:endParaRPr>
-          </a:p>
-        </p:txBody>
-      </p:sp>
-      <p:sp>
-        <p:nvSpPr>
-          <p:cNvPr id="15365" name="Inhaltsplatzhalter 4"/>
-          <p:cNvSpPr>
-            <a:spLocks noGrp="1"/>
-          </p:cNvSpPr>
-          <p:nvPr>
-            <p:ph sz="half" idx="19"/>
-          </p:nvPr>
-        </p:nvSpPr>
-        <p:spPr bwMode="auto">
-          <a:xfrm>
-            <a:off x="8148638" y="2155825"/>
-            <a:ext cx="3557587" cy="3959225"/>
-          </a:xfrm>
-          <a:noFill/>
-          <a:extLst>
-            <a:ext uri="{909E8E84-426E-40DD-AFC4-6F175D3DCCD1}">
-              <a14:hiddenFill xmlns:a14="http://schemas.microsoft.com/office/drawing/2010/main">
-                <a:solidFill>
-                  <a:srgbClr val="FFFFFF"/>
-                </a:solidFill>
-              </a14:hiddenFill>
-            </a:ext>
-            <a:ext uri="{91240B29-F687-4F45-9708-019B960494DF}">
-              <a14:hiddenLine xmlns:a14="http://schemas.microsoft.com/office/drawing/2010/main" w="9525">
-                <a:solidFill>
-                  <a:srgbClr val="000000"/>
-                </a:solidFill>
-                <a:miter lim="800000"/>
-                <a:headEnd/>
-                <a:tailEnd/>
-              </a14:hiddenLine>
-            </a:ext>
-          </a:extLst>
-        </p:spPr>
-        <p:txBody>
-          <a:bodyPr vert="horz" wrap="square" tIns="45720" bIns="45720" numCol="1" anchor="t" anchorCtr="0" compatLnSpc="1">
-            <a:prstTxWarp prst="textNoShape">
-              <a:avLst/>
-            </a:prstTxWarp>
-          </a:bodyPr>
-          <a:lstStyle/>
-          <a:p>
-            <a:pPr eaLnBrk="1" hangingPunct="1"/>
-            <a:endParaRPr lang="de-CH" dirty="0">
-              <a:latin typeface="Lucida Sans" pitchFamily="34" charset="0"/>
-            </a:endParaRPr>
-          </a:p>
-        </p:txBody>
-      </p:sp>
-      <p:sp>
-        <p:nvSpPr>
-          <p:cNvPr id="15366" name="Textplatzhalter 5"/>
-          <p:cNvSpPr>
-            <a:spLocks noGrp="1"/>
-          </p:cNvSpPr>
-          <p:nvPr>
-            <p:ph type="body" idx="1"/>
-          </p:nvPr>
-        </p:nvSpPr>
-        <p:spPr bwMode="auto">
-          <a:xfrm>
-            <a:off x="457200" y="1331913"/>
-            <a:ext cx="3557588" cy="539750"/>
-          </a:xfrm>
-          <a:noFill/>
-          <a:extLst>
-            <a:ext uri="{909E8E84-426E-40DD-AFC4-6F175D3DCCD1}">
-              <a14:hiddenFill xmlns:a14="http://schemas.microsoft.com/office/drawing/2010/main">
-                <a:solidFill>
-                  <a:srgbClr val="FFFFFF"/>
-                </a:solidFill>
-              </a14:hiddenFill>
-            </a:ext>
-            <a:ext uri="{91240B29-F687-4F45-9708-019B960494DF}">
-              <a14:hiddenLine xmlns:a14="http://schemas.microsoft.com/office/drawing/2010/main" w="9525">
-                <a:solidFill>
-                  <a:srgbClr val="000000"/>
-                </a:solidFill>
-                <a:miter lim="800000"/>
-                <a:headEnd/>
-                <a:tailEnd/>
-              </a14:hiddenLine>
-            </a:ext>
-          </a:extLst>
-        </p:spPr>
-        <p:txBody>
-          <a:bodyPr vert="horz" wrap="square" tIns="45720" bIns="45720" numCol="1" compatLnSpc="1">
-            <a:prstTxWarp prst="textNoShape">
-              <a:avLst/>
-            </a:prstTxWarp>
-          </a:bodyPr>
-          <a:lstStyle/>
-          <a:p>
-            <a:pPr eaLnBrk="1" hangingPunct="1"/>
-            <a:endParaRPr lang="de-CH">
-              <a:latin typeface="Lucida Sans" pitchFamily="34" charset="0"/>
-            </a:endParaRPr>
-          </a:p>
-        </p:txBody>
-      </p:sp>
-      <p:sp>
-        <p:nvSpPr>
-          <p:cNvPr id="15367" name="Textplatzhalter 6"/>
-          <p:cNvSpPr>
-            <a:spLocks noGrp="1"/>
-          </p:cNvSpPr>
-          <p:nvPr>
-            <p:ph type="body" idx="18"/>
-          </p:nvPr>
-        </p:nvSpPr>
-        <p:spPr bwMode="auto">
-          <a:xfrm>
-            <a:off x="4298950" y="1331913"/>
-            <a:ext cx="3556000" cy="539750"/>
-          </a:xfrm>
-          <a:noFill/>
-          <a:extLst>
-            <a:ext uri="{909E8E84-426E-40DD-AFC4-6F175D3DCCD1}">
-              <a14:hiddenFill xmlns:a14="http://schemas.microsoft.com/office/drawing/2010/main">
-                <a:solidFill>
-                  <a:srgbClr val="FFFFFF"/>
-                </a:solidFill>
-              </a14:hiddenFill>
-            </a:ext>
-            <a:ext uri="{91240B29-F687-4F45-9708-019B960494DF}">
-              <a14:hiddenLine xmlns:a14="http://schemas.microsoft.com/office/drawing/2010/main" w="9525">
-                <a:solidFill>
-                  <a:srgbClr val="000000"/>
-                </a:solidFill>
-                <a:miter lim="800000"/>
-                <a:headEnd/>
-                <a:tailEnd/>
-              </a14:hiddenLine>
-            </a:ext>
-          </a:extLst>
-        </p:spPr>
-        <p:txBody>
-          <a:bodyPr vert="horz" wrap="square" tIns="45720" bIns="45720" numCol="1" compatLnSpc="1">
-            <a:prstTxWarp prst="textNoShape">
-              <a:avLst/>
-            </a:prstTxWarp>
-          </a:bodyPr>
-          <a:lstStyle/>
-          <a:p>
-            <a:pPr eaLnBrk="1" hangingPunct="1"/>
-            <a:endParaRPr lang="de-CH">
-              <a:latin typeface="Lucida Sans" pitchFamily="34" charset="0"/>
-            </a:endParaRPr>
-          </a:p>
-        </p:txBody>
-      </p:sp>
-      <p:sp>
-        <p:nvSpPr>
-          <p:cNvPr id="15368" name="Textplatzhalter 7"/>
-          <p:cNvSpPr>
-            <a:spLocks noGrp="1"/>
-          </p:cNvSpPr>
-          <p:nvPr>
-            <p:ph type="body" idx="20"/>
-          </p:nvPr>
-        </p:nvSpPr>
-        <p:spPr bwMode="auto">
-          <a:xfrm>
-            <a:off x="8148638" y="1331913"/>
-            <a:ext cx="3557587" cy="539750"/>
-          </a:xfrm>
-          <a:noFill/>
-          <a:extLst>
-            <a:ext uri="{909E8E84-426E-40DD-AFC4-6F175D3DCCD1}">
-              <a14:hiddenFill xmlns:a14="http://schemas.microsoft.com/office/drawing/2010/main">
-                <a:solidFill>
-                  <a:srgbClr val="FFFFFF"/>
-                </a:solidFill>
-              </a14:hiddenFill>
-            </a:ext>
-            <a:ext uri="{91240B29-F687-4F45-9708-019B960494DF}">
-              <a14:hiddenLine xmlns:a14="http://schemas.microsoft.com/office/drawing/2010/main" w="9525">
-                <a:solidFill>
-                  <a:srgbClr val="000000"/>
-                </a:solidFill>
-                <a:miter lim="800000"/>
-                <a:headEnd/>
-                <a:tailEnd/>
-              </a14:hiddenLine>
-            </a:ext>
-          </a:extLst>
-        </p:spPr>
-        <p:txBody>
-          <a:bodyPr vert="horz" wrap="square" tIns="45720" bIns="45720" numCol="1" compatLnSpc="1">
-            <a:prstTxWarp prst="textNoShape">
-              <a:avLst/>
-            </a:prstTxWarp>
-          </a:bodyPr>
-          <a:lstStyle/>
-          <a:p>
-            <a:pPr eaLnBrk="1" hangingPunct="1"/>
-            <a:endParaRPr lang="de-CH">
-              <a:latin typeface="Lucida Sans" pitchFamily="34" charset="0"/>
-            </a:endParaRPr>
-          </a:p>
-        </p:txBody>
+        <p:spPr/>
       </p:sp>
     </p:spTree>
   </p:cSld>
@@ -7204,18 +7104,18 @@
       </p:grpSpPr>
       <p:sp>
         <p:nvSpPr>
-          <p:cNvPr id="7170" name="Titel 1"/>
+          <p:cNvPr id="10242" name="Inhaltsplatzhalter 1"/>
           <p:cNvSpPr>
             <a:spLocks noGrp="1"/>
           </p:cNvSpPr>
           <p:nvPr>
-            <p:ph type="ctrTitle"/>
+            <p:ph sz="half" idx="1"/>
           </p:nvPr>
         </p:nvSpPr>
         <p:spPr bwMode="auto">
           <a:xfrm>
-            <a:off x="457200" y="1839913"/>
-            <a:ext cx="7019925" cy="533400"/>
+            <a:off x="457200" y="1331913"/>
+            <a:ext cx="11249025" cy="4787900"/>
           </a:xfrm>
           <a:noFill/>
           <a:extLst>
@@ -7247,27 +7147,77 @@
           <a:lstStyle/>
           <a:p>
             <a:pPr eaLnBrk="1" hangingPunct="1"/>
-            <a:endParaRPr lang="de-CH">
+            <a:r>
+              <a:rPr lang="en-US" dirty="0">
+                <a:latin typeface="Lucida Sans" pitchFamily="34" charset="0"/>
+              </a:rPr>
+              <a:t>Goals</a:t>
+            </a:r>
+          </a:p>
+          <a:p>
+            <a:pPr eaLnBrk="1" hangingPunct="1"/>
+            <a:r>
+              <a:rPr lang="en-US" dirty="0">
+                <a:latin typeface="Lucida Sans" pitchFamily="34" charset="0"/>
+              </a:rPr>
+              <a:t>A</a:t>
+            </a:r>
+          </a:p>
+          <a:p>
+            <a:pPr eaLnBrk="1" hangingPunct="1"/>
+            <a:r>
+              <a:rPr lang="en-US" dirty="0">
+                <a:latin typeface="Lucida Sans" pitchFamily="34" charset="0"/>
+              </a:rPr>
+              <a:t>A</a:t>
+            </a:r>
+          </a:p>
+          <a:p>
+            <a:pPr eaLnBrk="1" hangingPunct="1"/>
+            <a:r>
+              <a:rPr lang="en-US" dirty="0">
+                <a:latin typeface="Lucida Sans" pitchFamily="34" charset="0"/>
+              </a:rPr>
+              <a:t>Demo</a:t>
+            </a:r>
+          </a:p>
+          <a:p>
+            <a:pPr eaLnBrk="1" hangingPunct="1"/>
+            <a:r>
+              <a:rPr lang="en-US" dirty="0">
+                <a:latin typeface="Lucida Sans" pitchFamily="34" charset="0"/>
+              </a:rPr>
+              <a:t>Conclusion</a:t>
+            </a:r>
+          </a:p>
+          <a:p>
+            <a:pPr eaLnBrk="1" hangingPunct="1"/>
+            <a:endParaRPr lang="en-US" dirty="0">
               <a:latin typeface="Lucida Sans" pitchFamily="34" charset="0"/>
-              <a:cs typeface="Lucida Sans Unicode" pitchFamily="34" charset="0"/>
             </a:endParaRPr>
           </a:p>
-        </p:txBody>
-      </p:sp>
-      <p:sp>
-        <p:nvSpPr>
-          <p:cNvPr id="7171" name="Untertitel 2"/>
+          <a:p>
+            <a:pPr eaLnBrk="1" hangingPunct="1"/>
+            <a:endParaRPr lang="en-US" dirty="0">
+              <a:latin typeface="Lucida Sans" pitchFamily="34" charset="0"/>
+            </a:endParaRPr>
+          </a:p>
+        </p:txBody>
+      </p:sp>
+      <p:sp>
+        <p:nvSpPr>
+          <p:cNvPr id="10243" name="Titel 2"/>
           <p:cNvSpPr>
             <a:spLocks noGrp="1"/>
           </p:cNvSpPr>
           <p:nvPr>
-            <p:ph type="subTitle" idx="1"/>
+            <p:ph type="ctrTitle"/>
           </p:nvPr>
         </p:nvSpPr>
         <p:spPr bwMode="auto">
           <a:xfrm>
-            <a:off x="457200" y="2447925"/>
-            <a:ext cx="7019925" cy="804863"/>
+            <a:off x="457200" y="360363"/>
+            <a:ext cx="11249025" cy="539750"/>
           </a:xfrm>
           <a:noFill/>
           <a:extLst>
@@ -7291,7 +7241,7 @@
           </a:extLst>
         </p:spPr>
         <p:txBody>
-          <a:bodyPr vert="horz" wrap="square" tIns="45720" rIns="91440" bIns="45720" numCol="1" anchor="t" anchorCtr="0" compatLnSpc="1">
+          <a:bodyPr vert="horz" wrap="square" tIns="45720" bIns="45720" numCol="1" anchor="t" anchorCtr="0" compatLnSpc="1">
             <a:prstTxWarp prst="textNoShape">
               <a:avLst/>
             </a:prstTxWarp>
@@ -7299,64 +7249,12 @@
           <a:lstStyle/>
           <a:p>
             <a:pPr eaLnBrk="1" hangingPunct="1"/>
-            <a:endParaRPr lang="de-CH">
-              <a:latin typeface="Lucida Sans" pitchFamily="34" charset="0"/>
-              <a:cs typeface="Lucida Sans Unicode" pitchFamily="34" charset="0"/>
-            </a:endParaRPr>
-          </a:p>
-        </p:txBody>
-      </p:sp>
-      <p:sp>
-        <p:nvSpPr>
-          <p:cNvPr id="7172" name="Textplatzhalter 3"/>
-          <p:cNvSpPr>
-            <a:spLocks noGrp="1"/>
-          </p:cNvSpPr>
-          <p:nvPr>
-            <p:ph type="body" sz="quarter" idx="13"/>
-          </p:nvPr>
-        </p:nvSpPr>
-        <p:spPr bwMode="auto">
-          <a:xfrm>
-            <a:off x="457200" y="6299200"/>
-            <a:ext cx="9066213" cy="258763"/>
-          </a:xfrm>
-          <a:noFill/>
-          <a:extLst>
-            <a:ext uri="{909E8E84-426E-40DD-AFC4-6F175D3DCCD1}">
-              <a14:hiddenFill xmlns:a14="http://schemas.microsoft.com/office/drawing/2010/main">
-                <a:solidFill>
-                  <a:srgbClr val="FFFFFF"/>
-                </a:solidFill>
-              </a14:hiddenFill>
-            </a:ext>
-            <a:ext uri="{91240B29-F687-4F45-9708-019B960494DF}">
-              <a14:hiddenLine xmlns:a14="http://schemas.microsoft.com/office/drawing/2010/main" w="9525">
-                <a:solidFill>
-                  <a:srgbClr val="000000"/>
-                </a:solidFill>
-                <a:miter lim="800000"/>
-                <a:headEnd/>
-                <a:tailEnd/>
-              </a14:hiddenLine>
-            </a:ext>
-          </a:extLst>
-        </p:spPr>
-        <p:txBody>
-          <a:bodyPr wrap="square" tIns="45720" bIns="45720" numCol="1" anchor="t" anchorCtr="0" compatLnSpc="1">
-            <a:prstTxWarp prst="textNoShape">
-              <a:avLst/>
-            </a:prstTxWarp>
-          </a:bodyPr>
-          <a:lstStyle/>
-          <a:p>
-            <a:pPr eaLnBrk="1" hangingPunct="1">
-              <a:buFont typeface="Lucida Grande" charset="0"/>
-              <a:buChar char="▶"/>
-            </a:pPr>
-            <a:endParaRPr lang="de-CH">
-              <a:latin typeface="Lucida Sans" pitchFamily="34" charset="0"/>
-            </a:endParaRPr>
+            <a:r>
+              <a:rPr lang="en-US" dirty="0">
+                <a:latin typeface="Lucida Sans" pitchFamily="34" charset="0"/>
+              </a:rPr>
+              <a:t>Table of content</a:t>
+            </a:r>
           </a:p>
         </p:txBody>
       </p:sp>
@@ -7387,7 +7285,51 @@
       </p:grpSpPr>
       <p:sp>
         <p:nvSpPr>
-          <p:cNvPr id="8194" name="Titel 1"/>
+          <p:cNvPr id="2" name="Espace réservé du contenu 1">
+            <a:extLst>
+              <a:ext uri="{FF2B5EF4-FFF2-40B4-BE49-F238E27FC236}">
+                <a16:creationId xmlns:a16="http://schemas.microsoft.com/office/drawing/2014/main" id="{D13C99AB-6238-4751-9AED-CDFC005C73FC}"/>
+              </a:ext>
+            </a:extLst>
+          </p:cNvPr>
+          <p:cNvSpPr>
+            <a:spLocks noGrp="1"/>
+          </p:cNvSpPr>
+          <p:nvPr>
+            <p:ph sz="half" idx="1"/>
+          </p:nvPr>
+        </p:nvSpPr>
+        <p:spPr/>
+        <p:txBody>
+          <a:bodyPr/>
+          <a:lstStyle/>
+          <a:p>
+            <a:r>
+              <a:rPr lang="fr-CH" dirty="0" err="1"/>
+              <a:t>Generic</a:t>
+            </a:r>
+            <a:r>
+              <a:rPr lang="fr-CH" dirty="0"/>
+              <a:t> platform</a:t>
+            </a:r>
+          </a:p>
+          <a:p>
+            <a:endParaRPr lang="fr-CH" dirty="0"/>
+          </a:p>
+          <a:p>
+            <a:endParaRPr lang="fr-CH" dirty="0"/>
+          </a:p>
+        </p:txBody>
+      </p:sp>
+      <p:sp>
+        <p:nvSpPr>
+          <p:cNvPr id="3" name="Titre 2">
+            <a:extLst>
+              <a:ext uri="{FF2B5EF4-FFF2-40B4-BE49-F238E27FC236}">
+                <a16:creationId xmlns:a16="http://schemas.microsoft.com/office/drawing/2014/main" id="{B8BC36DB-164B-469A-AA79-2DD459094F7D}"/>
+              </a:ext>
+            </a:extLst>
+          </p:cNvPr>
           <p:cNvSpPr>
             <a:spLocks noGrp="1"/>
           </p:cNvSpPr>
@@ -7395,101 +7337,24 @@
             <p:ph type="ctrTitle"/>
           </p:nvPr>
         </p:nvSpPr>
-        <p:spPr bwMode="auto">
-          <a:xfrm>
-            <a:off x="457200" y="1839913"/>
-            <a:ext cx="7019925" cy="533400"/>
-          </a:xfrm>
-          <a:noFill/>
-          <a:extLst>
-            <a:ext uri="{909E8E84-426E-40DD-AFC4-6F175D3DCCD1}">
-              <a14:hiddenFill xmlns:a14="http://schemas.microsoft.com/office/drawing/2010/main">
-                <a:solidFill>
-                  <a:srgbClr val="FFFFFF"/>
-                </a:solidFill>
-              </a14:hiddenFill>
-            </a:ext>
-            <a:ext uri="{91240B29-F687-4F45-9708-019B960494DF}">
-              <a14:hiddenLine xmlns:a14="http://schemas.microsoft.com/office/drawing/2010/main" w="9525">
-                <a:solidFill>
-                  <a:srgbClr val="000000"/>
-                </a:solidFill>
-                <a:miter lim="800000"/>
-                <a:headEnd/>
-                <a:tailEnd/>
-              </a14:hiddenLine>
-            </a:ext>
-          </a:extLst>
-        </p:spPr>
-        <p:txBody>
-          <a:bodyPr vert="horz" wrap="square" tIns="45720" bIns="45720" numCol="1" anchor="t" anchorCtr="0" compatLnSpc="1">
-            <a:prstTxWarp prst="textNoShape">
-              <a:avLst/>
-            </a:prstTxWarp>
-          </a:bodyPr>
+        <p:spPr/>
+        <p:txBody>
+          <a:bodyPr/>
           <a:lstStyle/>
           <a:p>
-            <a:pPr eaLnBrk="1" hangingPunct="1"/>
-            <a:endParaRPr lang="de-CH">
-              <a:latin typeface="Lucida Sans" pitchFamily="34" charset="0"/>
-              <a:cs typeface="Lucida Sans Unicode" pitchFamily="34" charset="0"/>
-            </a:endParaRPr>
-          </a:p>
-        </p:txBody>
-      </p:sp>
-      <p:sp>
-        <p:nvSpPr>
-          <p:cNvPr id="8195" name="Untertitel 2"/>
-          <p:cNvSpPr>
-            <a:spLocks noGrp="1"/>
-          </p:cNvSpPr>
-          <p:nvPr>
-            <p:ph type="subTitle" idx="1"/>
-          </p:nvPr>
-        </p:nvSpPr>
-        <p:spPr bwMode="auto">
-          <a:xfrm>
-            <a:off x="457200" y="2447925"/>
-            <a:ext cx="7019925" cy="804863"/>
-          </a:xfrm>
-          <a:noFill/>
-          <a:extLst>
-            <a:ext uri="{909E8E84-426E-40DD-AFC4-6F175D3DCCD1}">
-              <a14:hiddenFill xmlns:a14="http://schemas.microsoft.com/office/drawing/2010/main">
-                <a:solidFill>
-                  <a:srgbClr val="FFFFFF"/>
-                </a:solidFill>
-              </a14:hiddenFill>
-            </a:ext>
-            <a:ext uri="{91240B29-F687-4F45-9708-019B960494DF}">
-              <a14:hiddenLine xmlns:a14="http://schemas.microsoft.com/office/drawing/2010/main" w="9525">
-                <a:solidFill>
-                  <a:srgbClr val="000000"/>
-                </a:solidFill>
-                <a:miter lim="800000"/>
-                <a:headEnd/>
-                <a:tailEnd/>
-              </a14:hiddenLine>
-            </a:ext>
-          </a:extLst>
-        </p:spPr>
-        <p:txBody>
-          <a:bodyPr vert="horz" wrap="square" tIns="45720" rIns="91440" bIns="45720" numCol="1" anchor="t" anchorCtr="0" compatLnSpc="1">
-            <a:prstTxWarp prst="textNoShape">
-              <a:avLst/>
-            </a:prstTxWarp>
-          </a:bodyPr>
-          <a:lstStyle/>
-          <a:p>
-            <a:pPr eaLnBrk="1" hangingPunct="1"/>
-            <a:endParaRPr lang="de-CH">
-              <a:latin typeface="Lucida Sans" pitchFamily="34" charset="0"/>
-              <a:cs typeface="Lucida Sans Unicode" pitchFamily="34" charset="0"/>
-            </a:endParaRPr>
+            <a:r>
+              <a:rPr lang="fr-CH" dirty="0"/>
+              <a:t>Goals</a:t>
+            </a:r>
           </a:p>
         </p:txBody>
       </p:sp>
     </p:spTree>
+    <p:extLst>
+      <p:ext uri="{BB962C8B-B14F-4D97-AF65-F5344CB8AC3E}">
+        <p14:creationId xmlns:p14="http://schemas.microsoft.com/office/powerpoint/2010/main" val="1071225294"/>
+      </p:ext>
+    </p:extLst>
   </p:cSld>
   <p:clrMapOvr>
     <a:masterClrMapping/>
@@ -7516,7 +7381,38 @@
       </p:grpSpPr>
       <p:sp>
         <p:nvSpPr>
-          <p:cNvPr id="9218" name="Titel 1"/>
+          <p:cNvPr id="2" name="Espace réservé du contenu 1">
+            <a:extLst>
+              <a:ext uri="{FF2B5EF4-FFF2-40B4-BE49-F238E27FC236}">
+                <a16:creationId xmlns:a16="http://schemas.microsoft.com/office/drawing/2014/main" id="{D13C99AB-6238-4751-9AED-CDFC005C73FC}"/>
+              </a:ext>
+            </a:extLst>
+          </p:cNvPr>
+          <p:cNvSpPr>
+            <a:spLocks noGrp="1"/>
+          </p:cNvSpPr>
+          <p:nvPr>
+            <p:ph sz="half" idx="1"/>
+          </p:nvPr>
+        </p:nvSpPr>
+        <p:spPr/>
+        <p:txBody>
+          <a:bodyPr/>
+          <a:lstStyle/>
+          <a:p>
+            <a:endParaRPr lang="fr-CH"/>
+          </a:p>
+        </p:txBody>
+      </p:sp>
+      <p:sp>
+        <p:nvSpPr>
+          <p:cNvPr id="3" name="Titre 2">
+            <a:extLst>
+              <a:ext uri="{FF2B5EF4-FFF2-40B4-BE49-F238E27FC236}">
+                <a16:creationId xmlns:a16="http://schemas.microsoft.com/office/drawing/2014/main" id="{B8BC36DB-164B-469A-AA79-2DD459094F7D}"/>
+              </a:ext>
+            </a:extLst>
+          </p:cNvPr>
           <p:cNvSpPr>
             <a:spLocks noGrp="1"/>
           </p:cNvSpPr>
@@ -7524,101 +7420,25 @@
             <p:ph type="ctrTitle"/>
           </p:nvPr>
         </p:nvSpPr>
-        <p:spPr bwMode="auto">
-          <a:xfrm>
-            <a:off x="457200" y="1839913"/>
-            <a:ext cx="7019925" cy="533400"/>
-          </a:xfrm>
-          <a:noFill/>
-          <a:extLst>
-            <a:ext uri="{909E8E84-426E-40DD-AFC4-6F175D3DCCD1}">
-              <a14:hiddenFill xmlns:a14="http://schemas.microsoft.com/office/drawing/2010/main">
-                <a:solidFill>
-                  <a:srgbClr val="FFFFFF"/>
-                </a:solidFill>
-              </a14:hiddenFill>
-            </a:ext>
-            <a:ext uri="{91240B29-F687-4F45-9708-019B960494DF}">
-              <a14:hiddenLine xmlns:a14="http://schemas.microsoft.com/office/drawing/2010/main" w="9525">
-                <a:solidFill>
-                  <a:srgbClr val="000000"/>
-                </a:solidFill>
-                <a:miter lim="800000"/>
-                <a:headEnd/>
-                <a:tailEnd/>
-              </a14:hiddenLine>
-            </a:ext>
-          </a:extLst>
-        </p:spPr>
-        <p:txBody>
-          <a:bodyPr vert="horz" wrap="square" tIns="45720" bIns="45720" numCol="1" anchor="t" anchorCtr="0" compatLnSpc="1">
-            <a:prstTxWarp prst="textNoShape">
-              <a:avLst/>
-            </a:prstTxWarp>
-          </a:bodyPr>
+        <p:spPr/>
+        <p:txBody>
+          <a:bodyPr/>
           <a:lstStyle/>
           <a:p>
-            <a:pPr eaLnBrk="1" hangingPunct="1"/>
-            <a:endParaRPr lang="de-CH">
-              <a:latin typeface="Lucida Sans" pitchFamily="34" charset="0"/>
-              <a:cs typeface="Lucida Sans Unicode" pitchFamily="34" charset="0"/>
-            </a:endParaRPr>
-          </a:p>
-        </p:txBody>
-      </p:sp>
-      <p:sp>
-        <p:nvSpPr>
-          <p:cNvPr id="9219" name="Untertitel 2"/>
-          <p:cNvSpPr>
-            <a:spLocks noGrp="1"/>
-          </p:cNvSpPr>
-          <p:nvPr>
-            <p:ph type="subTitle" idx="1"/>
-          </p:nvPr>
-        </p:nvSpPr>
-        <p:spPr bwMode="auto">
-          <a:xfrm>
-            <a:off x="457200" y="2447925"/>
-            <a:ext cx="7019925" cy="804863"/>
-          </a:xfrm>
-          <a:noFill/>
-          <a:extLst>
-            <a:ext uri="{909E8E84-426E-40DD-AFC4-6F175D3DCCD1}">
-              <a14:hiddenFill xmlns:a14="http://schemas.microsoft.com/office/drawing/2010/main">
-                <a:solidFill>
-                  <a:srgbClr val="FFFFFF"/>
-                </a:solidFill>
-              </a14:hiddenFill>
-            </a:ext>
-            <a:ext uri="{91240B29-F687-4F45-9708-019B960494DF}">
-              <a14:hiddenLine xmlns:a14="http://schemas.microsoft.com/office/drawing/2010/main" w="9525">
-                <a:solidFill>
-                  <a:srgbClr val="000000"/>
-                </a:solidFill>
-                <a:miter lim="800000"/>
-                <a:headEnd/>
-                <a:tailEnd/>
-              </a14:hiddenLine>
-            </a:ext>
-          </a:extLst>
-        </p:spPr>
-        <p:txBody>
-          <a:bodyPr vert="horz" wrap="square" tIns="45720" rIns="91440" bIns="45720" numCol="1" anchor="t" anchorCtr="0" compatLnSpc="1">
-            <a:prstTxWarp prst="textNoShape">
-              <a:avLst/>
-            </a:prstTxWarp>
-          </a:bodyPr>
-          <a:lstStyle/>
-          <a:p>
-            <a:pPr eaLnBrk="1" hangingPunct="1"/>
-            <a:endParaRPr lang="de-CH">
-              <a:latin typeface="Lucida Sans" pitchFamily="34" charset="0"/>
-              <a:cs typeface="Lucida Sans Unicode" pitchFamily="34" charset="0"/>
-            </a:endParaRPr>
+            <a:r>
+              <a:rPr lang="fr-CH" dirty="0" err="1"/>
+              <a:t>Demo</a:t>
+            </a:r>
+            <a:endParaRPr lang="fr-CH" dirty="0"/>
           </a:p>
         </p:txBody>
       </p:sp>
     </p:spTree>
+    <p:extLst>
+      <p:ext uri="{BB962C8B-B14F-4D97-AF65-F5344CB8AC3E}">
+        <p14:creationId xmlns:p14="http://schemas.microsoft.com/office/powerpoint/2010/main" val="4184200698"/>
+      </p:ext>
+    </p:extLst>
   </p:cSld>
   <p:clrMapOvr>
     <a:masterClrMapping/>
@@ -7645,7 +7465,13 @@
       </p:grpSpPr>
       <p:sp>
         <p:nvSpPr>
-          <p:cNvPr id="10242" name="Inhaltsplatzhalter 1"/>
+          <p:cNvPr id="2" name="Espace réservé du contenu 1">
+            <a:extLst>
+              <a:ext uri="{FF2B5EF4-FFF2-40B4-BE49-F238E27FC236}">
+                <a16:creationId xmlns:a16="http://schemas.microsoft.com/office/drawing/2014/main" id="{D13C99AB-6238-4751-9AED-CDFC005C73FC}"/>
+              </a:ext>
+            </a:extLst>
+          </p:cNvPr>
           <p:cNvSpPr>
             <a:spLocks noGrp="1"/>
           </p:cNvSpPr>
@@ -7653,50 +7479,39 @@
             <p:ph sz="half" idx="1"/>
           </p:nvPr>
         </p:nvSpPr>
-        <p:spPr bwMode="auto">
-          <a:xfrm>
-            <a:off x="457200" y="1331913"/>
-            <a:ext cx="11249025" cy="4787900"/>
-          </a:xfrm>
-          <a:noFill/>
-          <a:extLst>
-            <a:ext uri="{909E8E84-426E-40DD-AFC4-6F175D3DCCD1}">
-              <a14:hiddenFill xmlns:a14="http://schemas.microsoft.com/office/drawing/2010/main">
-                <a:solidFill>
-                  <a:srgbClr val="FFFFFF"/>
-                </a:solidFill>
-              </a14:hiddenFill>
-            </a:ext>
-            <a:ext uri="{91240B29-F687-4F45-9708-019B960494DF}">
-              <a14:hiddenLine xmlns:a14="http://schemas.microsoft.com/office/drawing/2010/main" w="9525">
-                <a:solidFill>
-                  <a:srgbClr val="000000"/>
-                </a:solidFill>
-                <a:miter lim="800000"/>
-                <a:headEnd/>
-                <a:tailEnd/>
-              </a14:hiddenLine>
-            </a:ext>
-          </a:extLst>
-        </p:spPr>
-        <p:txBody>
-          <a:bodyPr vert="horz" wrap="square" tIns="45720" bIns="45720" numCol="1" anchor="t" anchorCtr="0" compatLnSpc="1">
-            <a:prstTxWarp prst="textNoShape">
-              <a:avLst/>
-            </a:prstTxWarp>
-          </a:bodyPr>
+        <p:spPr/>
+        <p:txBody>
+          <a:bodyPr/>
           <a:lstStyle/>
           <a:p>
-            <a:pPr eaLnBrk="1" hangingPunct="1"/>
-            <a:endParaRPr lang="de-CH" dirty="0">
-              <a:latin typeface="Lucida Sans" pitchFamily="34" charset="0"/>
-            </a:endParaRPr>
-          </a:p>
-        </p:txBody>
-      </p:sp>
-      <p:sp>
-        <p:nvSpPr>
-          <p:cNvPr id="10243" name="Titel 2"/>
+            <a:r>
+              <a:rPr lang="fr-CH" dirty="0" err="1"/>
+              <a:t>Problems</a:t>
+            </a:r>
+            <a:r>
+              <a:rPr lang="fr-CH" dirty="0"/>
+              <a:t>, </a:t>
+            </a:r>
+            <a:r>
+              <a:rPr lang="fr-CH" dirty="0" err="1"/>
+              <a:t>android</a:t>
+            </a:r>
+            <a:r>
+              <a:rPr lang="fr-CH" dirty="0"/>
+              <a:t> version</a:t>
+            </a:r>
+          </a:p>
+        </p:txBody>
+      </p:sp>
+      <p:sp>
+        <p:nvSpPr>
+          <p:cNvPr id="3" name="Titre 2">
+            <a:extLst>
+              <a:ext uri="{FF2B5EF4-FFF2-40B4-BE49-F238E27FC236}">
+                <a16:creationId xmlns:a16="http://schemas.microsoft.com/office/drawing/2014/main" id="{B8BC36DB-164B-469A-AA79-2DD459094F7D}"/>
+              </a:ext>
+            </a:extLst>
+          </p:cNvPr>
           <p:cNvSpPr>
             <a:spLocks noGrp="1"/>
           </p:cNvSpPr>
@@ -7704,48 +7519,24 @@
             <p:ph type="ctrTitle"/>
           </p:nvPr>
         </p:nvSpPr>
-        <p:spPr bwMode="auto">
-          <a:xfrm>
-            <a:off x="457200" y="360363"/>
-            <a:ext cx="11249025" cy="539750"/>
-          </a:xfrm>
-          <a:noFill/>
-          <a:extLst>
-            <a:ext uri="{909E8E84-426E-40DD-AFC4-6F175D3DCCD1}">
-              <a14:hiddenFill xmlns:a14="http://schemas.microsoft.com/office/drawing/2010/main">
-                <a:solidFill>
-                  <a:srgbClr val="FFFFFF"/>
-                </a:solidFill>
-              </a14:hiddenFill>
-            </a:ext>
-            <a:ext uri="{91240B29-F687-4F45-9708-019B960494DF}">
-              <a14:hiddenLine xmlns:a14="http://schemas.microsoft.com/office/drawing/2010/main" w="9525">
-                <a:solidFill>
-                  <a:srgbClr val="000000"/>
-                </a:solidFill>
-                <a:miter lim="800000"/>
-                <a:headEnd/>
-                <a:tailEnd/>
-              </a14:hiddenLine>
-            </a:ext>
-          </a:extLst>
-        </p:spPr>
-        <p:txBody>
-          <a:bodyPr vert="horz" wrap="square" tIns="45720" bIns="45720" numCol="1" anchor="t" anchorCtr="0" compatLnSpc="1">
-            <a:prstTxWarp prst="textNoShape">
-              <a:avLst/>
-            </a:prstTxWarp>
-          </a:bodyPr>
+        <p:spPr/>
+        <p:txBody>
+          <a:bodyPr/>
           <a:lstStyle/>
           <a:p>
-            <a:pPr eaLnBrk="1" hangingPunct="1"/>
-            <a:endParaRPr lang="de-CH">
-              <a:latin typeface="Lucida Sans" pitchFamily="34" charset="0"/>
-            </a:endParaRPr>
+            <a:r>
+              <a:rPr lang="fr-CH" dirty="0"/>
+              <a:t>Conclusion</a:t>
+            </a:r>
           </a:p>
         </p:txBody>
       </p:sp>
     </p:spTree>
+    <p:extLst>
+      <p:ext uri="{BB962C8B-B14F-4D97-AF65-F5344CB8AC3E}">
+        <p14:creationId xmlns:p14="http://schemas.microsoft.com/office/powerpoint/2010/main" val="1211910487"/>
+      </p:ext>
+    </p:extLst>
   </p:cSld>
   <p:clrMapOvr>
     <a:masterClrMapping/>
@@ -7772,7 +7563,13 @@
       </p:grpSpPr>
       <p:sp>
         <p:nvSpPr>
-          <p:cNvPr id="11266" name="Titel 1"/>
+          <p:cNvPr id="3" name="Titre 2">
+            <a:extLst>
+              <a:ext uri="{FF2B5EF4-FFF2-40B4-BE49-F238E27FC236}">
+                <a16:creationId xmlns:a16="http://schemas.microsoft.com/office/drawing/2014/main" id="{B8BC36DB-164B-469A-AA79-2DD459094F7D}"/>
+              </a:ext>
+            </a:extLst>
+          </p:cNvPr>
           <p:cNvSpPr>
             <a:spLocks noGrp="1"/>
           </p:cNvSpPr>
@@ -7780,1092 +7577,30 @@
             <p:ph type="ctrTitle"/>
           </p:nvPr>
         </p:nvSpPr>
-        <p:spPr bwMode="auto">
+        <p:spPr>
           <a:xfrm>
-            <a:off x="457200" y="360363"/>
-            <a:ext cx="11249025" cy="539750"/>
+            <a:off x="3549698" y="3159000"/>
+            <a:ext cx="5108477" cy="540000"/>
           </a:xfrm>
-          <a:noFill/>
-          <a:extLst>
-            <a:ext uri="{909E8E84-426E-40DD-AFC4-6F175D3DCCD1}">
-              <a14:hiddenFill xmlns:a14="http://schemas.microsoft.com/office/drawing/2010/main">
-                <a:solidFill>
-                  <a:srgbClr val="FFFFFF"/>
-                </a:solidFill>
-              </a14:hiddenFill>
-            </a:ext>
-            <a:ext uri="{91240B29-F687-4F45-9708-019B960494DF}">
-              <a14:hiddenLine xmlns:a14="http://schemas.microsoft.com/office/drawing/2010/main" w="9525">
-                <a:solidFill>
-                  <a:srgbClr val="000000"/>
-                </a:solidFill>
-                <a:miter lim="800000"/>
-                <a:headEnd/>
-                <a:tailEnd/>
-              </a14:hiddenLine>
-            </a:ext>
-          </a:extLst>
         </p:spPr>
         <p:txBody>
-          <a:bodyPr vert="horz" wrap="square" tIns="45720" bIns="45720" numCol="1" anchor="t" anchorCtr="0" compatLnSpc="1">
-            <a:prstTxWarp prst="textNoShape">
-              <a:avLst/>
-            </a:prstTxWarp>
-          </a:bodyPr>
+          <a:bodyPr/>
           <a:lstStyle/>
           <a:p>
-            <a:pPr eaLnBrk="1" hangingPunct="1"/>
-            <a:endParaRPr lang="de-CH">
-              <a:latin typeface="Lucida Sans" pitchFamily="34" charset="0"/>
-            </a:endParaRPr>
-          </a:p>
-        </p:txBody>
-      </p:sp>
-      <p:sp>
-        <p:nvSpPr>
-          <p:cNvPr id="11267" name="Textplatzhalter 2"/>
-          <p:cNvSpPr>
-            <a:spLocks noGrp="1"/>
-          </p:cNvSpPr>
-          <p:nvPr>
-            <p:ph type="body" idx="1"/>
-          </p:nvPr>
-        </p:nvSpPr>
-        <p:spPr bwMode="auto">
-          <a:xfrm>
-            <a:off x="457200" y="1331913"/>
-            <a:ext cx="11249025" cy="539750"/>
-          </a:xfrm>
-          <a:noFill/>
-          <a:extLst>
-            <a:ext uri="{909E8E84-426E-40DD-AFC4-6F175D3DCCD1}">
-              <a14:hiddenFill xmlns:a14="http://schemas.microsoft.com/office/drawing/2010/main">
-                <a:solidFill>
-                  <a:srgbClr val="FFFFFF"/>
-                </a:solidFill>
-              </a14:hiddenFill>
-            </a:ext>
-            <a:ext uri="{91240B29-F687-4F45-9708-019B960494DF}">
-              <a14:hiddenLine xmlns:a14="http://schemas.microsoft.com/office/drawing/2010/main" w="9525">
-                <a:solidFill>
-                  <a:srgbClr val="000000"/>
-                </a:solidFill>
-                <a:miter lim="800000"/>
-                <a:headEnd/>
-                <a:tailEnd/>
-              </a14:hiddenLine>
-            </a:ext>
-          </a:extLst>
-        </p:spPr>
-        <p:txBody>
-          <a:bodyPr vert="horz" wrap="square" tIns="45720" bIns="45720" numCol="1" compatLnSpc="1">
-            <a:prstTxWarp prst="textNoShape">
-              <a:avLst/>
-            </a:prstTxWarp>
-          </a:bodyPr>
-          <a:lstStyle/>
-          <a:p>
-            <a:pPr eaLnBrk="1" hangingPunct="1"/>
-            <a:endParaRPr lang="de-CH">
-              <a:latin typeface="Lucida Sans" pitchFamily="34" charset="0"/>
-            </a:endParaRPr>
-          </a:p>
-        </p:txBody>
-      </p:sp>
-      <p:sp>
-        <p:nvSpPr>
-          <p:cNvPr id="11268" name="Inhaltsplatzhalter 3"/>
-          <p:cNvSpPr>
-            <a:spLocks noGrp="1"/>
-          </p:cNvSpPr>
-          <p:nvPr>
-            <p:ph sz="half" idx="13"/>
-          </p:nvPr>
-        </p:nvSpPr>
-        <p:spPr bwMode="auto">
-          <a:xfrm>
-            <a:off x="457200" y="2160588"/>
-            <a:ext cx="11249025" cy="3959225"/>
-          </a:xfrm>
-          <a:noFill/>
-          <a:extLst>
-            <a:ext uri="{909E8E84-426E-40DD-AFC4-6F175D3DCCD1}">
-              <a14:hiddenFill xmlns:a14="http://schemas.microsoft.com/office/drawing/2010/main">
-                <a:solidFill>
-                  <a:srgbClr val="FFFFFF"/>
-                </a:solidFill>
-              </a14:hiddenFill>
-            </a:ext>
-            <a:ext uri="{91240B29-F687-4F45-9708-019B960494DF}">
-              <a14:hiddenLine xmlns:a14="http://schemas.microsoft.com/office/drawing/2010/main" w="9525">
-                <a:solidFill>
-                  <a:srgbClr val="000000"/>
-                </a:solidFill>
-                <a:miter lim="800000"/>
-                <a:headEnd/>
-                <a:tailEnd/>
-              </a14:hiddenLine>
-            </a:ext>
-          </a:extLst>
-        </p:spPr>
-        <p:txBody>
-          <a:bodyPr vert="horz" wrap="square" tIns="45720" bIns="45720" numCol="1" anchor="t" anchorCtr="0" compatLnSpc="1">
-            <a:prstTxWarp prst="textNoShape">
-              <a:avLst/>
-            </a:prstTxWarp>
-          </a:bodyPr>
-          <a:lstStyle/>
-          <a:p>
-            <a:pPr eaLnBrk="1" hangingPunct="1"/>
-            <a:endParaRPr lang="de-CH" dirty="0">
-              <a:latin typeface="Lucida Sans" pitchFamily="34" charset="0"/>
-            </a:endParaRPr>
+            <a:pPr algn="ctr"/>
+            <a:r>
+              <a:rPr lang="fr-CH" dirty="0"/>
+              <a:t>Question(s) ?</a:t>
+            </a:r>
           </a:p>
         </p:txBody>
       </p:sp>
     </p:spTree>
-  </p:cSld>
-  <p:clrMapOvr>
-    <a:masterClrMapping/>
-  </p:clrMapOvr>
-</p:sld>
-</file>
-
-<file path=ppt/slides/slide7.xml><?xml version="1.0" encoding="utf-8"?>
-<p:sld xmlns:a="http://schemas.openxmlformats.org/drawingml/2006/main" xmlns:r="http://schemas.openxmlformats.org/officeDocument/2006/relationships" xmlns:p="http://schemas.openxmlformats.org/presentationml/2006/main">
-  <p:cSld>
-    <p:spTree>
-      <p:nvGrpSpPr>
-        <p:cNvPr id="1" name=""/>
-        <p:cNvGrpSpPr/>
-        <p:nvPr/>
-      </p:nvGrpSpPr>
-      <p:grpSpPr>
-        <a:xfrm>
-          <a:off x="0" y="0"/>
-          <a:ext cx="0" cy="0"/>
-          <a:chOff x="0" y="0"/>
-          <a:chExt cx="0" cy="0"/>
-        </a:xfrm>
-      </p:grpSpPr>
-      <p:sp>
-        <p:nvSpPr>
-          <p:cNvPr id="12290" name="Titel 1"/>
-          <p:cNvSpPr>
-            <a:spLocks noGrp="1"/>
-          </p:cNvSpPr>
-          <p:nvPr>
-            <p:ph type="ctrTitle"/>
-          </p:nvPr>
-        </p:nvSpPr>
-        <p:spPr bwMode="auto">
-          <a:xfrm>
-            <a:off x="457200" y="360363"/>
-            <a:ext cx="11249025" cy="539750"/>
-          </a:xfrm>
-          <a:noFill/>
-          <a:extLst>
-            <a:ext uri="{909E8E84-426E-40DD-AFC4-6F175D3DCCD1}">
-              <a14:hiddenFill xmlns:a14="http://schemas.microsoft.com/office/drawing/2010/main">
-                <a:solidFill>
-                  <a:srgbClr val="FFFFFF"/>
-                </a:solidFill>
-              </a14:hiddenFill>
-            </a:ext>
-            <a:ext uri="{91240B29-F687-4F45-9708-019B960494DF}">
-              <a14:hiddenLine xmlns:a14="http://schemas.microsoft.com/office/drawing/2010/main" w="9525">
-                <a:solidFill>
-                  <a:srgbClr val="000000"/>
-                </a:solidFill>
-                <a:miter lim="800000"/>
-                <a:headEnd/>
-                <a:tailEnd/>
-              </a14:hiddenLine>
-            </a:ext>
-          </a:extLst>
-        </p:spPr>
-        <p:txBody>
-          <a:bodyPr vert="horz" wrap="square" tIns="45720" bIns="45720" numCol="1" anchor="t" anchorCtr="0" compatLnSpc="1">
-            <a:prstTxWarp prst="textNoShape">
-              <a:avLst/>
-            </a:prstTxWarp>
-          </a:bodyPr>
-          <a:lstStyle/>
-          <a:p>
-            <a:pPr eaLnBrk="1" hangingPunct="1"/>
-            <a:endParaRPr lang="de-CH">
-              <a:latin typeface="Lucida Sans" pitchFamily="34" charset="0"/>
-            </a:endParaRPr>
-          </a:p>
-        </p:txBody>
-      </p:sp>
-      <p:sp>
-        <p:nvSpPr>
-          <p:cNvPr id="12291" name="Textplatzhalter 2"/>
-          <p:cNvSpPr>
-            <a:spLocks noGrp="1"/>
-          </p:cNvSpPr>
-          <p:nvPr>
-            <p:ph type="body" idx="1"/>
-          </p:nvPr>
-        </p:nvSpPr>
-        <p:spPr bwMode="auto">
-          <a:xfrm>
-            <a:off x="450850" y="5399088"/>
-            <a:ext cx="5508625" cy="720725"/>
-          </a:xfrm>
-          <a:noFill/>
-          <a:extLst>
-            <a:ext uri="{909E8E84-426E-40DD-AFC4-6F175D3DCCD1}">
-              <a14:hiddenFill xmlns:a14="http://schemas.microsoft.com/office/drawing/2010/main">
-                <a:solidFill>
-                  <a:srgbClr val="FFFFFF"/>
-                </a:solidFill>
-              </a14:hiddenFill>
-            </a:ext>
-            <a:ext uri="{91240B29-F687-4F45-9708-019B960494DF}">
-              <a14:hiddenLine xmlns:a14="http://schemas.microsoft.com/office/drawing/2010/main" w="9525">
-                <a:solidFill>
-                  <a:srgbClr val="000000"/>
-                </a:solidFill>
-                <a:miter lim="800000"/>
-                <a:headEnd/>
-                <a:tailEnd/>
-              </a14:hiddenLine>
-            </a:ext>
-          </a:extLst>
-        </p:spPr>
-        <p:txBody>
-          <a:bodyPr vert="horz" wrap="square" tIns="45720" bIns="45720" numCol="1" compatLnSpc="1">
-            <a:prstTxWarp prst="textNoShape">
-              <a:avLst/>
-            </a:prstTxWarp>
-          </a:bodyPr>
-          <a:lstStyle/>
-          <a:p>
-            <a:pPr eaLnBrk="1" hangingPunct="1"/>
-            <a:endParaRPr lang="de-CH">
-              <a:latin typeface="Lucida Sans" pitchFamily="34" charset="0"/>
-            </a:endParaRPr>
-          </a:p>
-        </p:txBody>
-      </p:sp>
-      <p:sp>
-        <p:nvSpPr>
-          <p:cNvPr id="12292" name="Textplatzhalter 3"/>
-          <p:cNvSpPr>
-            <a:spLocks noGrp="1"/>
-          </p:cNvSpPr>
-          <p:nvPr>
-            <p:ph type="body" idx="18"/>
-          </p:nvPr>
-        </p:nvSpPr>
-        <p:spPr bwMode="auto">
-          <a:xfrm>
-            <a:off x="6199188" y="5399088"/>
-            <a:ext cx="5508625" cy="720725"/>
-          </a:xfrm>
-          <a:noFill/>
-          <a:extLst>
-            <a:ext uri="{909E8E84-426E-40DD-AFC4-6F175D3DCCD1}">
-              <a14:hiddenFill xmlns:a14="http://schemas.microsoft.com/office/drawing/2010/main">
-                <a:solidFill>
-                  <a:srgbClr val="FFFFFF"/>
-                </a:solidFill>
-              </a14:hiddenFill>
-            </a:ext>
-            <a:ext uri="{91240B29-F687-4F45-9708-019B960494DF}">
-              <a14:hiddenLine xmlns:a14="http://schemas.microsoft.com/office/drawing/2010/main" w="9525">
-                <a:solidFill>
-                  <a:srgbClr val="000000"/>
-                </a:solidFill>
-                <a:miter lim="800000"/>
-                <a:headEnd/>
-                <a:tailEnd/>
-              </a14:hiddenLine>
-            </a:ext>
-          </a:extLst>
-        </p:spPr>
-        <p:txBody>
-          <a:bodyPr vert="horz" wrap="square" tIns="45720" bIns="45720" numCol="1" compatLnSpc="1">
-            <a:prstTxWarp prst="textNoShape">
-              <a:avLst/>
-            </a:prstTxWarp>
-          </a:bodyPr>
-          <a:lstStyle/>
-          <a:p>
-            <a:pPr eaLnBrk="1" hangingPunct="1"/>
-            <a:endParaRPr lang="de-CH">
-              <a:latin typeface="Lucida Sans" pitchFamily="34" charset="0"/>
-            </a:endParaRPr>
-          </a:p>
-        </p:txBody>
-      </p:sp>
-      <p:sp>
-        <p:nvSpPr>
-          <p:cNvPr id="12293" name="Inhaltsplatzhalter 4"/>
-          <p:cNvSpPr>
-            <a:spLocks noGrp="1"/>
-          </p:cNvSpPr>
-          <p:nvPr>
-            <p:ph sz="half" idx="13"/>
-          </p:nvPr>
-        </p:nvSpPr>
-        <p:spPr bwMode="auto">
-          <a:xfrm>
-            <a:off x="450850" y="1331913"/>
-            <a:ext cx="5508625" cy="4067175"/>
-          </a:xfrm>
-          <a:noFill/>
-          <a:extLst>
-            <a:ext uri="{909E8E84-426E-40DD-AFC4-6F175D3DCCD1}">
-              <a14:hiddenFill xmlns:a14="http://schemas.microsoft.com/office/drawing/2010/main">
-                <a:solidFill>
-                  <a:srgbClr val="FFFFFF"/>
-                </a:solidFill>
-              </a14:hiddenFill>
-            </a:ext>
-            <a:ext uri="{91240B29-F687-4F45-9708-019B960494DF}">
-              <a14:hiddenLine xmlns:a14="http://schemas.microsoft.com/office/drawing/2010/main" w="9525">
-                <a:solidFill>
-                  <a:srgbClr val="000000"/>
-                </a:solidFill>
-                <a:miter lim="800000"/>
-                <a:headEnd/>
-                <a:tailEnd/>
-              </a14:hiddenLine>
-            </a:ext>
-          </a:extLst>
-        </p:spPr>
-        <p:txBody>
-          <a:bodyPr vert="horz" wrap="square" tIns="45720" bIns="45720" numCol="1" anchor="t" anchorCtr="0" compatLnSpc="1">
-            <a:prstTxWarp prst="textNoShape">
-              <a:avLst/>
-            </a:prstTxWarp>
-          </a:bodyPr>
-          <a:lstStyle/>
-          <a:p>
-            <a:pPr eaLnBrk="1" hangingPunct="1"/>
-            <a:endParaRPr lang="de-CH" dirty="0">
-              <a:latin typeface="Lucida Sans" pitchFamily="34" charset="0"/>
-            </a:endParaRPr>
-          </a:p>
-        </p:txBody>
-      </p:sp>
-      <p:sp>
-        <p:nvSpPr>
-          <p:cNvPr id="12294" name="Inhaltsplatzhalter 5"/>
-          <p:cNvSpPr>
-            <a:spLocks noGrp="1"/>
-          </p:cNvSpPr>
-          <p:nvPr>
-            <p:ph sz="half" idx="15"/>
-          </p:nvPr>
-        </p:nvSpPr>
-        <p:spPr bwMode="auto">
-          <a:xfrm>
-            <a:off x="6199188" y="1331913"/>
-            <a:ext cx="5508625" cy="4067175"/>
-          </a:xfrm>
-          <a:noFill/>
-          <a:extLst>
-            <a:ext uri="{909E8E84-426E-40DD-AFC4-6F175D3DCCD1}">
-              <a14:hiddenFill xmlns:a14="http://schemas.microsoft.com/office/drawing/2010/main">
-                <a:solidFill>
-                  <a:srgbClr val="FFFFFF"/>
-                </a:solidFill>
-              </a14:hiddenFill>
-            </a:ext>
-            <a:ext uri="{91240B29-F687-4F45-9708-019B960494DF}">
-              <a14:hiddenLine xmlns:a14="http://schemas.microsoft.com/office/drawing/2010/main" w="9525">
-                <a:solidFill>
-                  <a:srgbClr val="000000"/>
-                </a:solidFill>
-                <a:miter lim="800000"/>
-                <a:headEnd/>
-                <a:tailEnd/>
-              </a14:hiddenLine>
-            </a:ext>
-          </a:extLst>
-        </p:spPr>
-        <p:txBody>
-          <a:bodyPr vert="horz" wrap="square" tIns="45720" bIns="45720" numCol="1" anchor="t" anchorCtr="0" compatLnSpc="1">
-            <a:prstTxWarp prst="textNoShape">
-              <a:avLst/>
-            </a:prstTxWarp>
-          </a:bodyPr>
-          <a:lstStyle/>
-          <a:p>
-            <a:pPr eaLnBrk="1" hangingPunct="1"/>
-            <a:endParaRPr lang="de-CH" dirty="0">
-              <a:latin typeface="Lucida Sans" pitchFamily="34" charset="0"/>
-            </a:endParaRPr>
-          </a:p>
-        </p:txBody>
-      </p:sp>
-    </p:spTree>
-  </p:cSld>
-  <p:clrMapOvr>
-    <a:masterClrMapping/>
-  </p:clrMapOvr>
-</p:sld>
-</file>
-
-<file path=ppt/slides/slide8.xml><?xml version="1.0" encoding="utf-8"?>
-<p:sld xmlns:a="http://schemas.openxmlformats.org/drawingml/2006/main" xmlns:r="http://schemas.openxmlformats.org/officeDocument/2006/relationships" xmlns:p="http://schemas.openxmlformats.org/presentationml/2006/main">
-  <p:cSld>
-    <p:spTree>
-      <p:nvGrpSpPr>
-        <p:cNvPr id="1" name=""/>
-        <p:cNvGrpSpPr/>
-        <p:nvPr/>
-      </p:nvGrpSpPr>
-      <p:grpSpPr>
-        <a:xfrm>
-          <a:off x="0" y="0"/>
-          <a:ext cx="0" cy="0"/>
-          <a:chOff x="0" y="0"/>
-          <a:chExt cx="0" cy="0"/>
-        </a:xfrm>
-      </p:grpSpPr>
-      <p:sp>
-        <p:nvSpPr>
-          <p:cNvPr id="13314" name="Titel 1"/>
-          <p:cNvSpPr>
-            <a:spLocks noGrp="1"/>
-          </p:cNvSpPr>
-          <p:nvPr>
-            <p:ph type="ctrTitle"/>
-          </p:nvPr>
-        </p:nvSpPr>
-        <p:spPr bwMode="auto">
-          <a:xfrm>
-            <a:off x="457200" y="360363"/>
-            <a:ext cx="11249025" cy="539750"/>
-          </a:xfrm>
-          <a:noFill/>
-          <a:extLst>
-            <a:ext uri="{909E8E84-426E-40DD-AFC4-6F175D3DCCD1}">
-              <a14:hiddenFill xmlns:a14="http://schemas.microsoft.com/office/drawing/2010/main">
-                <a:solidFill>
-                  <a:srgbClr val="FFFFFF"/>
-                </a:solidFill>
-              </a14:hiddenFill>
-            </a:ext>
-            <a:ext uri="{91240B29-F687-4F45-9708-019B960494DF}">
-              <a14:hiddenLine xmlns:a14="http://schemas.microsoft.com/office/drawing/2010/main" w="9525">
-                <a:solidFill>
-                  <a:srgbClr val="000000"/>
-                </a:solidFill>
-                <a:miter lim="800000"/>
-                <a:headEnd/>
-                <a:tailEnd/>
-              </a14:hiddenLine>
-            </a:ext>
-          </a:extLst>
-        </p:spPr>
-        <p:txBody>
-          <a:bodyPr vert="horz" wrap="square" tIns="45720" bIns="45720" numCol="1" anchor="t" anchorCtr="0" compatLnSpc="1">
-            <a:prstTxWarp prst="textNoShape">
-              <a:avLst/>
-            </a:prstTxWarp>
-          </a:bodyPr>
-          <a:lstStyle/>
-          <a:p>
-            <a:pPr eaLnBrk="1" hangingPunct="1"/>
-            <a:endParaRPr lang="de-CH">
-              <a:latin typeface="Lucida Sans" pitchFamily="34" charset="0"/>
-            </a:endParaRPr>
-          </a:p>
-        </p:txBody>
-      </p:sp>
-      <p:sp>
-        <p:nvSpPr>
-          <p:cNvPr id="13315" name="Textplatzhalter 2"/>
-          <p:cNvSpPr>
-            <a:spLocks noGrp="1"/>
-          </p:cNvSpPr>
-          <p:nvPr>
-            <p:ph type="body" idx="1"/>
-          </p:nvPr>
-        </p:nvSpPr>
-        <p:spPr bwMode="auto">
-          <a:xfrm>
-            <a:off x="455613" y="1331913"/>
-            <a:ext cx="5508625" cy="539750"/>
-          </a:xfrm>
-          <a:noFill/>
-          <a:extLst>
-            <a:ext uri="{909E8E84-426E-40DD-AFC4-6F175D3DCCD1}">
-              <a14:hiddenFill xmlns:a14="http://schemas.microsoft.com/office/drawing/2010/main">
-                <a:solidFill>
-                  <a:srgbClr val="FFFFFF"/>
-                </a:solidFill>
-              </a14:hiddenFill>
-            </a:ext>
-            <a:ext uri="{91240B29-F687-4F45-9708-019B960494DF}">
-              <a14:hiddenLine xmlns:a14="http://schemas.microsoft.com/office/drawing/2010/main" w="9525">
-                <a:solidFill>
-                  <a:srgbClr val="000000"/>
-                </a:solidFill>
-                <a:miter lim="800000"/>
-                <a:headEnd/>
-                <a:tailEnd/>
-              </a14:hiddenLine>
-            </a:ext>
-          </a:extLst>
-        </p:spPr>
-        <p:txBody>
-          <a:bodyPr vert="horz" wrap="square" tIns="45720" bIns="45720" numCol="1" compatLnSpc="1">
-            <a:prstTxWarp prst="textNoShape">
-              <a:avLst/>
-            </a:prstTxWarp>
-          </a:bodyPr>
-          <a:lstStyle/>
-          <a:p>
-            <a:pPr eaLnBrk="1" hangingPunct="1"/>
-            <a:endParaRPr lang="de-CH">
-              <a:latin typeface="Lucida Sans" pitchFamily="34" charset="0"/>
-            </a:endParaRPr>
-          </a:p>
-        </p:txBody>
-      </p:sp>
-      <p:sp>
-        <p:nvSpPr>
-          <p:cNvPr id="13316" name="Inhaltsplatzhalter 3"/>
-          <p:cNvSpPr>
-            <a:spLocks noGrp="1"/>
-          </p:cNvSpPr>
-          <p:nvPr>
-            <p:ph sz="half" idx="13"/>
-          </p:nvPr>
-        </p:nvSpPr>
-        <p:spPr bwMode="auto">
-          <a:xfrm>
-            <a:off x="457200" y="2160588"/>
-            <a:ext cx="5508625" cy="3959225"/>
-          </a:xfrm>
-          <a:noFill/>
-          <a:extLst>
-            <a:ext uri="{909E8E84-426E-40DD-AFC4-6F175D3DCCD1}">
-              <a14:hiddenFill xmlns:a14="http://schemas.microsoft.com/office/drawing/2010/main">
-                <a:solidFill>
-                  <a:srgbClr val="FFFFFF"/>
-                </a:solidFill>
-              </a14:hiddenFill>
-            </a:ext>
-            <a:ext uri="{91240B29-F687-4F45-9708-019B960494DF}">
-              <a14:hiddenLine xmlns:a14="http://schemas.microsoft.com/office/drawing/2010/main" w="9525">
-                <a:solidFill>
-                  <a:srgbClr val="000000"/>
-                </a:solidFill>
-                <a:miter lim="800000"/>
-                <a:headEnd/>
-                <a:tailEnd/>
-              </a14:hiddenLine>
-            </a:ext>
-          </a:extLst>
-        </p:spPr>
-        <p:txBody>
-          <a:bodyPr vert="horz" wrap="square" tIns="45720" bIns="45720" numCol="1" anchor="t" anchorCtr="0" compatLnSpc="1">
-            <a:prstTxWarp prst="textNoShape">
-              <a:avLst/>
-            </a:prstTxWarp>
-          </a:bodyPr>
-          <a:lstStyle/>
-          <a:p>
-            <a:pPr eaLnBrk="1" hangingPunct="1"/>
-            <a:endParaRPr lang="de-CH" dirty="0">
-              <a:latin typeface="Lucida Sans" pitchFamily="34" charset="0"/>
-            </a:endParaRPr>
-          </a:p>
-        </p:txBody>
-      </p:sp>
-      <p:sp>
-        <p:nvSpPr>
-          <p:cNvPr id="13317" name="Textplatzhalter 4"/>
-          <p:cNvSpPr>
-            <a:spLocks noGrp="1"/>
-          </p:cNvSpPr>
-          <p:nvPr>
-            <p:ph type="body" idx="14"/>
-          </p:nvPr>
-        </p:nvSpPr>
-        <p:spPr bwMode="auto">
-          <a:xfrm>
-            <a:off x="6197600" y="1331913"/>
-            <a:ext cx="5508625" cy="539750"/>
-          </a:xfrm>
-          <a:noFill/>
-          <a:extLst>
-            <a:ext uri="{909E8E84-426E-40DD-AFC4-6F175D3DCCD1}">
-              <a14:hiddenFill xmlns:a14="http://schemas.microsoft.com/office/drawing/2010/main">
-                <a:solidFill>
-                  <a:srgbClr val="FFFFFF"/>
-                </a:solidFill>
-              </a14:hiddenFill>
-            </a:ext>
-            <a:ext uri="{91240B29-F687-4F45-9708-019B960494DF}">
-              <a14:hiddenLine xmlns:a14="http://schemas.microsoft.com/office/drawing/2010/main" w="9525">
-                <a:solidFill>
-                  <a:srgbClr val="000000"/>
-                </a:solidFill>
-                <a:miter lim="800000"/>
-                <a:headEnd/>
-                <a:tailEnd/>
-              </a14:hiddenLine>
-            </a:ext>
-          </a:extLst>
-        </p:spPr>
-        <p:txBody>
-          <a:bodyPr vert="horz" wrap="square" tIns="45720" bIns="45720" numCol="1" compatLnSpc="1">
-            <a:prstTxWarp prst="textNoShape">
-              <a:avLst/>
-            </a:prstTxWarp>
-          </a:bodyPr>
-          <a:lstStyle/>
-          <a:p>
-            <a:pPr eaLnBrk="1" hangingPunct="1"/>
-            <a:endParaRPr lang="de-CH">
-              <a:latin typeface="Lucida Sans" pitchFamily="34" charset="0"/>
-            </a:endParaRPr>
-          </a:p>
-        </p:txBody>
-      </p:sp>
-      <p:sp>
-        <p:nvSpPr>
-          <p:cNvPr id="13318" name="Inhaltsplatzhalter 5"/>
-          <p:cNvSpPr>
-            <a:spLocks noGrp="1"/>
-          </p:cNvSpPr>
-          <p:nvPr>
-            <p:ph sz="half" idx="15"/>
-          </p:nvPr>
-        </p:nvSpPr>
-        <p:spPr bwMode="auto">
-          <a:xfrm>
-            <a:off x="6199188" y="2160588"/>
-            <a:ext cx="5508625" cy="3959225"/>
-          </a:xfrm>
-          <a:noFill/>
-          <a:extLst>
-            <a:ext uri="{909E8E84-426E-40DD-AFC4-6F175D3DCCD1}">
-              <a14:hiddenFill xmlns:a14="http://schemas.microsoft.com/office/drawing/2010/main">
-                <a:solidFill>
-                  <a:srgbClr val="FFFFFF"/>
-                </a:solidFill>
-              </a14:hiddenFill>
-            </a:ext>
-            <a:ext uri="{91240B29-F687-4F45-9708-019B960494DF}">
-              <a14:hiddenLine xmlns:a14="http://schemas.microsoft.com/office/drawing/2010/main" w="9525">
-                <a:solidFill>
-                  <a:srgbClr val="000000"/>
-                </a:solidFill>
-                <a:miter lim="800000"/>
-                <a:headEnd/>
-                <a:tailEnd/>
-              </a14:hiddenLine>
-            </a:ext>
-          </a:extLst>
-        </p:spPr>
-        <p:txBody>
-          <a:bodyPr vert="horz" wrap="square" tIns="45720" bIns="45720" numCol="1" anchor="t" anchorCtr="0" compatLnSpc="1">
-            <a:prstTxWarp prst="textNoShape">
-              <a:avLst/>
-            </a:prstTxWarp>
-          </a:bodyPr>
-          <a:lstStyle/>
-          <a:p>
-            <a:pPr eaLnBrk="1" hangingPunct="1"/>
-            <a:endParaRPr lang="de-CH" dirty="0">
-              <a:latin typeface="Lucida Sans" pitchFamily="34" charset="0"/>
-            </a:endParaRPr>
-          </a:p>
-        </p:txBody>
-      </p:sp>
-    </p:spTree>
-  </p:cSld>
-  <p:clrMapOvr>
-    <a:masterClrMapping/>
-  </p:clrMapOvr>
-</p:sld>
-</file>
-
-<file path=ppt/slides/slide9.xml><?xml version="1.0" encoding="utf-8"?>
-<p:sld xmlns:a="http://schemas.openxmlformats.org/drawingml/2006/main" xmlns:r="http://schemas.openxmlformats.org/officeDocument/2006/relationships" xmlns:p="http://schemas.openxmlformats.org/presentationml/2006/main">
-  <p:cSld>
-    <p:spTree>
-      <p:nvGrpSpPr>
-        <p:cNvPr id="1" name=""/>
-        <p:cNvGrpSpPr/>
-        <p:nvPr/>
-      </p:nvGrpSpPr>
-      <p:grpSpPr>
-        <a:xfrm>
-          <a:off x="0" y="0"/>
-          <a:ext cx="0" cy="0"/>
-          <a:chOff x="0" y="0"/>
-          <a:chExt cx="0" cy="0"/>
-        </a:xfrm>
-      </p:grpSpPr>
-      <p:sp>
-        <p:nvSpPr>
-          <p:cNvPr id="14338" name="Titel 1"/>
-          <p:cNvSpPr>
-            <a:spLocks noGrp="1"/>
-          </p:cNvSpPr>
-          <p:nvPr>
-            <p:ph type="ctrTitle"/>
-          </p:nvPr>
-        </p:nvSpPr>
-        <p:spPr bwMode="auto">
-          <a:xfrm>
-            <a:off x="457200" y="360363"/>
-            <a:ext cx="11249025" cy="539750"/>
-          </a:xfrm>
-          <a:noFill/>
-          <a:extLst>
-            <a:ext uri="{909E8E84-426E-40DD-AFC4-6F175D3DCCD1}">
-              <a14:hiddenFill xmlns:a14="http://schemas.microsoft.com/office/drawing/2010/main">
-                <a:solidFill>
-                  <a:srgbClr val="FFFFFF"/>
-                </a:solidFill>
-              </a14:hiddenFill>
-            </a:ext>
-            <a:ext uri="{91240B29-F687-4F45-9708-019B960494DF}">
-              <a14:hiddenLine xmlns:a14="http://schemas.microsoft.com/office/drawing/2010/main" w="9525">
-                <a:solidFill>
-                  <a:srgbClr val="000000"/>
-                </a:solidFill>
-                <a:miter lim="800000"/>
-                <a:headEnd/>
-                <a:tailEnd/>
-              </a14:hiddenLine>
-            </a:ext>
-          </a:extLst>
-        </p:spPr>
-        <p:txBody>
-          <a:bodyPr vert="horz" wrap="square" tIns="45720" rIns="91440" bIns="45720" numCol="1" anchor="t" anchorCtr="0" compatLnSpc="1">
-            <a:prstTxWarp prst="textNoShape">
-              <a:avLst/>
-            </a:prstTxWarp>
-          </a:bodyPr>
-          <a:lstStyle/>
-          <a:p>
-            <a:pPr eaLnBrk="1" hangingPunct="1"/>
-            <a:endParaRPr lang="de-CH">
-              <a:latin typeface="Lucida Sans" pitchFamily="34" charset="0"/>
-            </a:endParaRPr>
-          </a:p>
-        </p:txBody>
-      </p:sp>
-      <p:sp>
-        <p:nvSpPr>
-          <p:cNvPr id="14339" name="Textplatzhalter 2"/>
-          <p:cNvSpPr>
-            <a:spLocks noGrp="1"/>
-          </p:cNvSpPr>
-          <p:nvPr>
-            <p:ph type="body" idx="1"/>
-          </p:nvPr>
-        </p:nvSpPr>
-        <p:spPr bwMode="auto">
-          <a:xfrm>
-            <a:off x="454025" y="5399088"/>
-            <a:ext cx="3556000" cy="720725"/>
-          </a:xfrm>
-          <a:noFill/>
-          <a:extLst>
-            <a:ext uri="{909E8E84-426E-40DD-AFC4-6F175D3DCCD1}">
-              <a14:hiddenFill xmlns:a14="http://schemas.microsoft.com/office/drawing/2010/main">
-                <a:solidFill>
-                  <a:srgbClr val="FFFFFF"/>
-                </a:solidFill>
-              </a14:hiddenFill>
-            </a:ext>
-            <a:ext uri="{91240B29-F687-4F45-9708-019B960494DF}">
-              <a14:hiddenLine xmlns:a14="http://schemas.microsoft.com/office/drawing/2010/main" w="9525">
-                <a:solidFill>
-                  <a:srgbClr val="000000"/>
-                </a:solidFill>
-                <a:miter lim="800000"/>
-                <a:headEnd/>
-                <a:tailEnd/>
-              </a14:hiddenLine>
-            </a:ext>
-          </a:extLst>
-        </p:spPr>
-        <p:txBody>
-          <a:bodyPr vert="horz" wrap="square" tIns="45720" rIns="91440" bIns="45720" numCol="1" compatLnSpc="1">
-            <a:prstTxWarp prst="textNoShape">
-              <a:avLst/>
-            </a:prstTxWarp>
-          </a:bodyPr>
-          <a:lstStyle/>
-          <a:p>
-            <a:pPr eaLnBrk="1" hangingPunct="1"/>
-            <a:endParaRPr lang="de-CH">
-              <a:latin typeface="Lucida Sans" pitchFamily="34" charset="0"/>
-            </a:endParaRPr>
-          </a:p>
-        </p:txBody>
-      </p:sp>
-      <p:sp>
-        <p:nvSpPr>
-          <p:cNvPr id="14340" name="Textplatzhalter 3"/>
-          <p:cNvSpPr>
-            <a:spLocks noGrp="1"/>
-          </p:cNvSpPr>
-          <p:nvPr>
-            <p:ph type="body" idx="18"/>
-          </p:nvPr>
-        </p:nvSpPr>
-        <p:spPr bwMode="auto">
-          <a:xfrm>
-            <a:off x="4298950" y="5399088"/>
-            <a:ext cx="3556000" cy="720725"/>
-          </a:xfrm>
-          <a:noFill/>
-          <a:extLst>
-            <a:ext uri="{909E8E84-426E-40DD-AFC4-6F175D3DCCD1}">
-              <a14:hiddenFill xmlns:a14="http://schemas.microsoft.com/office/drawing/2010/main">
-                <a:solidFill>
-                  <a:srgbClr val="FFFFFF"/>
-                </a:solidFill>
-              </a14:hiddenFill>
-            </a:ext>
-            <a:ext uri="{91240B29-F687-4F45-9708-019B960494DF}">
-              <a14:hiddenLine xmlns:a14="http://schemas.microsoft.com/office/drawing/2010/main" w="9525">
-                <a:solidFill>
-                  <a:srgbClr val="000000"/>
-                </a:solidFill>
-                <a:miter lim="800000"/>
-                <a:headEnd/>
-                <a:tailEnd/>
-              </a14:hiddenLine>
-            </a:ext>
-          </a:extLst>
-        </p:spPr>
-        <p:txBody>
-          <a:bodyPr vert="horz" wrap="square" tIns="45720" rIns="91440" bIns="45720" numCol="1" compatLnSpc="1">
-            <a:prstTxWarp prst="textNoShape">
-              <a:avLst/>
-            </a:prstTxWarp>
-          </a:bodyPr>
-          <a:lstStyle/>
-          <a:p>
-            <a:pPr eaLnBrk="1" hangingPunct="1"/>
-            <a:endParaRPr lang="de-CH">
-              <a:latin typeface="Lucida Sans" pitchFamily="34" charset="0"/>
-            </a:endParaRPr>
-          </a:p>
-        </p:txBody>
-      </p:sp>
-      <p:sp>
-        <p:nvSpPr>
-          <p:cNvPr id="14341" name="Inhaltsplatzhalter 4"/>
-          <p:cNvSpPr>
-            <a:spLocks noGrp="1"/>
-          </p:cNvSpPr>
-          <p:nvPr>
-            <p:ph sz="half" idx="13"/>
-          </p:nvPr>
-        </p:nvSpPr>
-        <p:spPr bwMode="auto">
-          <a:xfrm>
-            <a:off x="454025" y="1331913"/>
-            <a:ext cx="3556000" cy="4067175"/>
-          </a:xfrm>
-          <a:noFill/>
-          <a:extLst>
-            <a:ext uri="{909E8E84-426E-40DD-AFC4-6F175D3DCCD1}">
-              <a14:hiddenFill xmlns:a14="http://schemas.microsoft.com/office/drawing/2010/main">
-                <a:solidFill>
-                  <a:srgbClr val="FFFFFF"/>
-                </a:solidFill>
-              </a14:hiddenFill>
-            </a:ext>
-            <a:ext uri="{91240B29-F687-4F45-9708-019B960494DF}">
-              <a14:hiddenLine xmlns:a14="http://schemas.microsoft.com/office/drawing/2010/main" w="9525">
-                <a:solidFill>
-                  <a:srgbClr val="000000"/>
-                </a:solidFill>
-                <a:miter lim="800000"/>
-                <a:headEnd/>
-                <a:tailEnd/>
-              </a14:hiddenLine>
-            </a:ext>
-          </a:extLst>
-        </p:spPr>
-        <p:txBody>
-          <a:bodyPr vert="horz" wrap="square" tIns="45720" rIns="91440" bIns="45720" numCol="1" anchor="t" anchorCtr="0" compatLnSpc="1">
-            <a:prstTxWarp prst="textNoShape">
-              <a:avLst/>
-            </a:prstTxWarp>
-          </a:bodyPr>
-          <a:lstStyle/>
-          <a:p>
-            <a:pPr eaLnBrk="1" hangingPunct="1"/>
-            <a:endParaRPr lang="de-CH" dirty="0">
-              <a:latin typeface="Lucida Sans" pitchFamily="34" charset="0"/>
-            </a:endParaRPr>
-          </a:p>
-        </p:txBody>
-      </p:sp>
-      <p:sp>
-        <p:nvSpPr>
-          <p:cNvPr id="14342" name="Inhaltsplatzhalter 5"/>
-          <p:cNvSpPr>
-            <a:spLocks noGrp="1"/>
-          </p:cNvSpPr>
-          <p:nvPr>
-            <p:ph sz="half" idx="15"/>
-          </p:nvPr>
-        </p:nvSpPr>
-        <p:spPr bwMode="auto">
-          <a:xfrm>
-            <a:off x="4298950" y="1331913"/>
-            <a:ext cx="3556000" cy="4067175"/>
-          </a:xfrm>
-          <a:noFill/>
-          <a:extLst>
-            <a:ext uri="{909E8E84-426E-40DD-AFC4-6F175D3DCCD1}">
-              <a14:hiddenFill xmlns:a14="http://schemas.microsoft.com/office/drawing/2010/main">
-                <a:solidFill>
-                  <a:srgbClr val="FFFFFF"/>
-                </a:solidFill>
-              </a14:hiddenFill>
-            </a:ext>
-            <a:ext uri="{91240B29-F687-4F45-9708-019B960494DF}">
-              <a14:hiddenLine xmlns:a14="http://schemas.microsoft.com/office/drawing/2010/main" w="9525">
-                <a:solidFill>
-                  <a:srgbClr val="000000"/>
-                </a:solidFill>
-                <a:miter lim="800000"/>
-                <a:headEnd/>
-                <a:tailEnd/>
-              </a14:hiddenLine>
-            </a:ext>
-          </a:extLst>
-        </p:spPr>
-        <p:txBody>
-          <a:bodyPr vert="horz" wrap="square" tIns="45720" rIns="91440" bIns="45720" numCol="1" anchor="t" anchorCtr="0" compatLnSpc="1">
-            <a:prstTxWarp prst="textNoShape">
-              <a:avLst/>
-            </a:prstTxWarp>
-          </a:bodyPr>
-          <a:lstStyle/>
-          <a:p>
-            <a:pPr eaLnBrk="1" hangingPunct="1"/>
-            <a:endParaRPr lang="de-CH" dirty="0">
-              <a:latin typeface="Lucida Sans" pitchFamily="34" charset="0"/>
-            </a:endParaRPr>
-          </a:p>
-        </p:txBody>
-      </p:sp>
-      <p:sp>
-        <p:nvSpPr>
-          <p:cNvPr id="14343" name="Inhaltsplatzhalter 6"/>
-          <p:cNvSpPr>
-            <a:spLocks noGrp="1"/>
-          </p:cNvSpPr>
-          <p:nvPr>
-            <p:ph sz="half" idx="19"/>
-          </p:nvPr>
-        </p:nvSpPr>
-        <p:spPr bwMode="auto">
-          <a:xfrm>
-            <a:off x="8148638" y="1331913"/>
-            <a:ext cx="3557587" cy="4067175"/>
-          </a:xfrm>
-          <a:noFill/>
-          <a:extLst>
-            <a:ext uri="{909E8E84-426E-40DD-AFC4-6F175D3DCCD1}">
-              <a14:hiddenFill xmlns:a14="http://schemas.microsoft.com/office/drawing/2010/main">
-                <a:solidFill>
-                  <a:srgbClr val="FFFFFF"/>
-                </a:solidFill>
-              </a14:hiddenFill>
-            </a:ext>
-            <a:ext uri="{91240B29-F687-4F45-9708-019B960494DF}">
-              <a14:hiddenLine xmlns:a14="http://schemas.microsoft.com/office/drawing/2010/main" w="9525">
-                <a:solidFill>
-                  <a:srgbClr val="000000"/>
-                </a:solidFill>
-                <a:miter lim="800000"/>
-                <a:headEnd/>
-                <a:tailEnd/>
-              </a14:hiddenLine>
-            </a:ext>
-          </a:extLst>
-        </p:spPr>
-        <p:txBody>
-          <a:bodyPr vert="horz" wrap="square" tIns="45720" rIns="91440" bIns="45720" numCol="1" anchor="t" anchorCtr="0" compatLnSpc="1">
-            <a:prstTxWarp prst="textNoShape">
-              <a:avLst/>
-            </a:prstTxWarp>
-          </a:bodyPr>
-          <a:lstStyle/>
-          <a:p>
-            <a:pPr eaLnBrk="1" hangingPunct="1"/>
-            <a:endParaRPr lang="de-CH" dirty="0">
-              <a:latin typeface="Lucida Sans" pitchFamily="34" charset="0"/>
-            </a:endParaRPr>
-          </a:p>
-        </p:txBody>
-      </p:sp>
-      <p:sp>
-        <p:nvSpPr>
-          <p:cNvPr id="14344" name="Textplatzhalter 7"/>
-          <p:cNvSpPr>
-            <a:spLocks noGrp="1"/>
-          </p:cNvSpPr>
-          <p:nvPr>
-            <p:ph type="body" idx="20"/>
-          </p:nvPr>
-        </p:nvSpPr>
-        <p:spPr bwMode="auto">
-          <a:xfrm>
-            <a:off x="8148638" y="5399088"/>
-            <a:ext cx="3557587" cy="720725"/>
-          </a:xfrm>
-          <a:noFill/>
-          <a:extLst>
-            <a:ext uri="{909E8E84-426E-40DD-AFC4-6F175D3DCCD1}">
-              <a14:hiddenFill xmlns:a14="http://schemas.microsoft.com/office/drawing/2010/main">
-                <a:solidFill>
-                  <a:srgbClr val="FFFFFF"/>
-                </a:solidFill>
-              </a14:hiddenFill>
-            </a:ext>
-            <a:ext uri="{91240B29-F687-4F45-9708-019B960494DF}">
-              <a14:hiddenLine xmlns:a14="http://schemas.microsoft.com/office/drawing/2010/main" w="9525">
-                <a:solidFill>
-                  <a:srgbClr val="000000"/>
-                </a:solidFill>
-                <a:miter lim="800000"/>
-                <a:headEnd/>
-                <a:tailEnd/>
-              </a14:hiddenLine>
-            </a:ext>
-          </a:extLst>
-        </p:spPr>
-        <p:txBody>
-          <a:bodyPr vert="horz" wrap="square" tIns="45720" rIns="91440" bIns="45720" numCol="1" compatLnSpc="1">
-            <a:prstTxWarp prst="textNoShape">
-              <a:avLst/>
-            </a:prstTxWarp>
-          </a:bodyPr>
-          <a:lstStyle/>
-          <a:p>
-            <a:pPr eaLnBrk="1" hangingPunct="1"/>
-            <a:endParaRPr lang="de-CH">
-              <a:latin typeface="Lucida Sans" pitchFamily="34" charset="0"/>
-            </a:endParaRPr>
-          </a:p>
-        </p:txBody>
-      </p:sp>
-    </p:spTree>
+    <p:extLst>
+      <p:ext uri="{BB962C8B-B14F-4D97-AF65-F5344CB8AC3E}">
+        <p14:creationId xmlns:p14="http://schemas.microsoft.com/office/powerpoint/2010/main" val="2694323608"/>
+      </p:ext>
+    </p:extLst>
   </p:cSld>
   <p:clrMapOvr>
     <a:masterClrMapping/>
@@ -9500,15 +8235,6 @@
 </file>
 
 <file path=customXml/item2.xml><?xml version="1.0" encoding="utf-8"?>
-<?mso-contentType ?>
-<FormTemplates xmlns="http://schemas.microsoft.com/sharepoint/v3/contenttype/forms">
-  <Display>DocumentLibraryForm</Display>
-  <Edit>DocumentLibraryForm</Edit>
-  <New>DocumentLibraryForm</New>
-</FormTemplates>
-</file>
-
-<file path=customXml/item3.xml><?xml version="1.0" encoding="utf-8"?>
 <ct:contentTypeSchema xmlns:ct="http://schemas.microsoft.com/office/2006/metadata/contentType" xmlns:ma="http://schemas.microsoft.com/office/2006/metadata/properties/metaAttributes" ct:_="" ma:_="" ma:contentTypeName="QMPilot_ContentType" ma:contentTypeID="0x0101009127C3B567804923A8661E062BBD8EF500AB8983C84EF542A7976DC8547A5CDC52001BD440F45714504284DA526949208683" ma:contentTypeVersion="2" ma:contentTypeDescription="Create a new document." ma:contentTypeScope="" ma:versionID="95d96d0e05fc522efab3992e9c437c0b">
   <xsd:schema xmlns:xsd="http://www.w3.org/2001/XMLSchema" xmlns:xs="http://www.w3.org/2001/XMLSchema" xmlns:p="http://schemas.microsoft.com/office/2006/metadata/properties" xmlns:ns2="a324999b-a562-434c-9e36-ccb21447b81e" xmlns:ns3="2551ef7e-3b29-44d1-a8ad-ef34c26bfc60" targetNamespace="http://schemas.microsoft.com/office/2006/metadata/properties" ma:root="true" ma:fieldsID="684ec3e90215676da2dbe90943c797d9" ns2:_="" ns3:_="">
     <xsd:import namespace="a324999b-a562-434c-9e36-ccb21447b81e"/>
@@ -9647,6 +8373,15 @@
 </ct:contentTypeSchema>
 </file>
 
+<file path=customXml/item3.xml><?xml version="1.0" encoding="utf-8"?>
+<?mso-contentType ?>
+<FormTemplates xmlns="http://schemas.microsoft.com/sharepoint/v3/contenttype/forms">
+  <Display>DocumentLibraryForm</Display>
+  <Edit>DocumentLibraryForm</Edit>
+  <New>DocumentLibraryForm</New>
+</FormTemplates>
+</file>
+
 <file path=customXml/itemProps1.xml><?xml version="1.0" encoding="utf-8"?>
 <ds:datastoreItem xmlns:ds="http://schemas.openxmlformats.org/officeDocument/2006/customXml" ds:itemID="{66985437-8812-4ABE-89CE-3E49C89E0BF6}">
   <ds:schemaRefs>
@@ -9665,14 +8400,6 @@
 </file>
 
 <file path=customXml/itemProps2.xml><?xml version="1.0" encoding="utf-8"?>
-<ds:datastoreItem xmlns:ds="http://schemas.openxmlformats.org/officeDocument/2006/customXml" ds:itemID="{7D2542CC-467A-4770-BDA7-ADCFF09F6DBF}">
-  <ds:schemaRefs>
-    <ds:schemaRef ds:uri="http://schemas.microsoft.com/sharepoint/v3/contenttype/forms"/>
-  </ds:schemaRefs>
-</ds:datastoreItem>
-</file>
-
-<file path=customXml/itemProps3.xml><?xml version="1.0" encoding="utf-8"?>
 <ds:datastoreItem xmlns:ds="http://schemas.openxmlformats.org/officeDocument/2006/customXml" ds:itemID="{4AC6FB82-A15F-47C0-8C73-E5599F1DA4CD}">
   <ds:schemaRefs>
     <ds:schemaRef ds:uri="http://schemas.microsoft.com/office/2006/metadata/contentType"/>
@@ -9689,4 +8416,12 @@
     <ds:schemaRef ds:uri="http://schemas.microsoft.com/internal/obd"/>
   </ds:schemaRefs>
 </ds:datastoreItem>
+</file>
+
+<file path=customXml/itemProps3.xml><?xml version="1.0" encoding="utf-8"?>
+<ds:datastoreItem xmlns:ds="http://schemas.openxmlformats.org/officeDocument/2006/customXml" ds:itemID="{7D2542CC-467A-4770-BDA7-ADCFF09F6DBF}">
+  <ds:schemaRefs>
+    <ds:schemaRef ds:uri="http://schemas.microsoft.com/sharepoint/v3/contenttype/forms"/>
+  </ds:schemaRefs>
+</ds:datastoreItem>
 </file>